--- a/IaaS下网络策略安全相关技术研究-苑中梁-v12.27-批注.pptx
+++ b/IaaS下网络策略安全相关技术研究-苑中梁-v12.27-批注.pptx
@@ -24457,17 +24457,23 @@
           <a:p>
             <a:r>
               <a:rPr lang="zh-CN" altLang="en-US" dirty="0" smtClean="0"/>
-              <a:t>人工？</a:t>
+              <a:t>说</a:t>
             </a:r>
-            <a:endParaRPr lang="en-US" altLang="zh-CN" dirty="0"/>
-          </a:p>
-          <a:p>
-            <a:endParaRPr lang="en-US" altLang="zh-CN" dirty="0" smtClean="0"/>
-          </a:p>
-          <a:p>
             <a:r>
               <a:rPr lang="zh-CN" altLang="en-US" dirty="0" smtClean="0"/>
-              <a:t>说清楚流表过期和策略过期的区别</a:t>
+              <a:t>清楚流表过期和策略过期的区</a:t>
+            </a:r>
+            <a:r>
+              <a:rPr lang="zh-CN" altLang="en-US" dirty="0" smtClean="0"/>
+              <a:t>别，流表过期代表这条策略一段时间未被匹配，但是管理员依然希望他生效，当有匹配包到来时控制器策略库会重新下发，而策略过期意味着管理员不希望这条策略继续生效，此时会从策略库和底层</a:t>
+            </a:r>
+            <a:r>
+              <a:rPr lang="en-US" altLang="zh-CN" dirty="0" smtClean="0"/>
+              <a:t>OVS</a:t>
+            </a:r>
+            <a:r>
+              <a:rPr lang="zh-CN" altLang="en-US" dirty="0" smtClean="0"/>
+              <a:t>清空流表。</a:t>
             </a:r>
             <a:endParaRPr lang="zh-CN" altLang="en-US" dirty="0"/>
           </a:p>
@@ -25008,6 +25014,18 @@
           <a:bodyPr/>
           <a:lstStyle/>
           <a:p>
+            <a:r>
+              <a:rPr lang="zh-CN" altLang="en-US" dirty="0" smtClean="0"/>
+              <a:t>安全应用：访问控制策略应用、虚拟防火墙应用 系统应用：通信路由应用 租户应用：租户的</a:t>
+            </a:r>
+            <a:r>
+              <a:rPr lang="en-US" altLang="zh-CN" dirty="0" smtClean="0"/>
+              <a:t>QoS</a:t>
+            </a:r>
+            <a:r>
+              <a:rPr lang="zh-CN" altLang="en-US" dirty="0" smtClean="0"/>
+              <a:t>应用、租户的负载均衡链路选择应用等。</a:t>
+            </a:r>
             <a:endParaRPr lang="zh-CN" altLang="en-US" dirty="0"/>
           </a:p>
         </p:txBody>
@@ -29439,7 +29457,7 @@
         <p:spPr>
           <a:xfrm>
             <a:off x="212725" y="1268760"/>
-            <a:ext cx="8535739" cy="923330"/>
+            <a:ext cx="8535739" cy="1200329"/>
           </a:xfrm>
           <a:prstGeom prst="rect">
             <a:avLst/>
@@ -29502,23 +29520,7 @@
                   <a:schemeClr val="bg1"/>
                 </a:solidFill>
               </a:rPr>
-              <a:t>同</a:t>
-            </a:r>
-            <a:r>
-              <a:rPr lang="zh-CN" altLang="en-US" dirty="0">
-                <a:solidFill>
-                  <a:schemeClr val="bg1"/>
-                </a:solidFill>
-              </a:rPr>
-              <a:t>种</a:t>
-            </a:r>
-            <a:r>
-              <a:rPr lang="zh-CN" altLang="en-US" dirty="0" smtClean="0">
-                <a:solidFill>
-                  <a:schemeClr val="bg1"/>
-                </a:solidFill>
-              </a:rPr>
-              <a:t>类的</a:t>
+              <a:t>同类型的</a:t>
             </a:r>
             <a:r>
               <a:rPr lang="zh-CN" altLang="en-US" dirty="0">
@@ -29534,7 +29536,23 @@
                   <a:schemeClr val="bg1"/>
                 </a:solidFill>
               </a:rPr>
-              <a:t>用策略进行分域</a:t>
+              <a:t>用策</a:t>
+            </a:r>
+            <a:r>
+              <a:rPr lang="zh-CN" altLang="en-US" dirty="0" smtClean="0">
+                <a:solidFill>
+                  <a:schemeClr val="bg1"/>
+                </a:solidFill>
+              </a:rPr>
+              <a:t>略在策略库中进</a:t>
+            </a:r>
+            <a:r>
+              <a:rPr lang="zh-CN" altLang="en-US" dirty="0" smtClean="0">
+                <a:solidFill>
+                  <a:schemeClr val="bg1"/>
+                </a:solidFill>
+              </a:rPr>
+              <a:t>行分域</a:t>
             </a:r>
             <a:r>
               <a:rPr lang="en-US" altLang="zh-CN" dirty="0" smtClean="0">
@@ -29667,20 +29685,20 @@
           <p:nvPr>
             <p:extLst>
               <p:ext uri="{D42A27DB-BD31-4B8C-83A1-F6EECF244321}">
-                <p14:modId xmlns:p14="http://schemas.microsoft.com/office/powerpoint/2010/main" val="3428287242"/>
+                <p14:modId xmlns:p14="http://schemas.microsoft.com/office/powerpoint/2010/main" val="387488861"/>
               </p:ext>
             </p:extLst>
           </p:nvPr>
         </p:nvGraphicFramePr>
         <p:xfrm>
-          <a:off x="1763688" y="2152651"/>
-          <a:ext cx="5760640" cy="4310479"/>
+          <a:off x="1639354" y="2425614"/>
+          <a:ext cx="5544616" cy="4148836"/>
         </p:xfrm>
         <a:graphic>
           <a:graphicData uri="http://schemas.openxmlformats.org/presentationml/2006/ole">
             <mc:AlternateContent xmlns:mc="http://schemas.openxmlformats.org/markup-compatibility/2006">
               <mc:Choice xmlns:v="urn:schemas-microsoft-com:vml" Requires="v">
-                <p:oleObj spid="_x0000_s1622" name="Visio" r:id="rId4" imgW="7058033" imgH="5276880" progId="Visio.Drawing.15">
+                <p:oleObj spid="_x0000_s1640" name="Visio" r:id="rId4" imgW="7058033" imgH="5276880" progId="Visio.Drawing.15">
                   <p:embed/>
                 </p:oleObj>
               </mc:Choice>
@@ -29696,13 +29714,7 @@
                       <p:nvPr/>
                     </p:nvPicPr>
                     <p:blipFill>
-                      <a:blip r:embed="rId5">
-                        <a:extLst>
-                          <a:ext uri="{28A0092B-C50C-407E-A947-70E740481C1C}">
-                            <a14:useLocalDpi xmlns:a14="http://schemas.microsoft.com/office/drawing/2010/main" val="0"/>
-                          </a:ext>
-                        </a:extLst>
-                      </a:blip>
+                      <a:blip r:embed="rId5"/>
                       <a:srcRect/>
                       <a:stretch>
                         <a:fillRect/>
@@ -29710,8 +29722,8 @@
                     </p:blipFill>
                     <p:spPr bwMode="auto">
                       <a:xfrm>
-                        <a:off x="1763688" y="2152651"/>
-                        <a:ext cx="5760640" cy="4310479"/>
+                        <a:off x="1639354" y="2425614"/>
+                        <a:ext cx="5544616" cy="4148836"/>
                       </a:xfrm>
                       <a:prstGeom prst="rect">
                         <a:avLst/>
@@ -29985,7 +29997,7 @@
           <a:graphicData uri="http://schemas.openxmlformats.org/presentationml/2006/ole">
             <mc:AlternateContent xmlns:mc="http://schemas.openxmlformats.org/markup-compatibility/2006">
               <mc:Choice xmlns:v="urn:schemas-microsoft-com:vml" Requires="v">
-                <p:oleObj spid="_x0000_s8411" name="Visio" r:id="rId4" imgW="6524521" imgH="3286170" progId="Visio.Drawing.15">
+                <p:oleObj spid="_x0000_s8429" name="Visio" r:id="rId4" imgW="6524521" imgH="3286170" progId="Visio.Drawing.15">
                   <p:embed/>
                 </p:oleObj>
               </mc:Choice>
@@ -30242,7 +30254,7 @@
           <a:graphicData uri="http://schemas.openxmlformats.org/presentationml/2006/ole">
             <mc:AlternateContent xmlns:mc="http://schemas.openxmlformats.org/markup-compatibility/2006">
               <mc:Choice xmlns:v="urn:schemas-microsoft-com:vml" Requires="v">
-                <p:oleObj spid="_x0000_s2930" name="Visio" r:id="rId4" imgW="3352890" imgH="2000160" progId="Visio.Drawing.15">
+                <p:oleObj spid="_x0000_s2948" name="Visio" r:id="rId4" imgW="3352890" imgH="2000160" progId="Visio.Drawing.15">
                   <p:embed/>
                 </p:oleObj>
               </mc:Choice>
@@ -30546,18 +30558,18 @@
                   <a:schemeClr val="bg1"/>
                 </a:solidFill>
               </a:rPr>
-              <a:t>不同的策略区域保证不同</a:t>
+              <a:t>不同的策略区域保证不</a:t>
             </a:r>
             <a:r>
-              <a:rPr lang="zh-CN" altLang="en-US" dirty="0">
+              <a:rPr lang="zh-CN" altLang="en-US" dirty="0" smtClean="0">
                 <a:solidFill>
-                  <a:srgbClr val="FF0000"/>
+                  <a:schemeClr val="bg1"/>
                 </a:solidFill>
               </a:rPr>
-              <a:t>应用</a:t>
+              <a:t>同类型应用</a:t>
             </a:r>
             <a:r>
-              <a:rPr lang="en-US" altLang="zh-CN" dirty="0">
+              <a:rPr lang="en-US" altLang="zh-CN" dirty="0" smtClean="0">
                 <a:solidFill>
                   <a:schemeClr val="bg1"/>
                 </a:solidFill>
@@ -30629,7 +30641,7 @@
                   <a:schemeClr val="bg1"/>
                 </a:solidFill>
               </a:rPr>
-              <a:t>（增强南向接口机密性）改进</a:t>
+              <a:t>改</a:t>
             </a:r>
             <a:r>
               <a:rPr lang="zh-CN" altLang="en-US" dirty="0" smtClean="0">
@@ -30637,7 +30649,7 @@
                   <a:schemeClr val="bg1"/>
                 </a:solidFill>
               </a:rPr>
-              <a:t>了</a:t>
+              <a:t>进了</a:t>
             </a:r>
             <a:r>
               <a:rPr lang="en-US" altLang="zh-CN" dirty="0" smtClean="0">
@@ -30653,15 +30665,7 @@
                   <a:schemeClr val="bg1"/>
                 </a:solidFill>
               </a:rPr>
-              <a:t>架构中两</a:t>
-            </a:r>
-            <a:r>
-              <a:rPr lang="zh-CN" altLang="en-US" dirty="0" smtClean="0">
-                <a:solidFill>
-                  <a:srgbClr val="FF0000"/>
-                </a:solidFill>
-              </a:rPr>
-              <a:t>平面</a:t>
+              <a:t>架构</a:t>
             </a:r>
             <a:r>
               <a:rPr lang="zh-CN" altLang="en-US" dirty="0" smtClean="0">
@@ -30669,7 +30673,7 @@
                   <a:schemeClr val="bg1"/>
                 </a:solidFill>
               </a:rPr>
-              <a:t>的</a:t>
+              <a:t>中控制平面和数据平面的</a:t>
             </a:r>
             <a:r>
               <a:rPr lang="zh-CN" altLang="en-US" dirty="0">
@@ -30680,12 +30684,28 @@
               <a:t>通信流程</a:t>
             </a:r>
             <a:r>
+              <a:rPr lang="zh-CN" altLang="en-US" dirty="0">
+                <a:solidFill>
+                  <a:schemeClr val="bg1"/>
+                </a:solidFill>
+              </a:rPr>
+              <a:t>，增强南向接口机密</a:t>
+            </a:r>
+            <a:r>
               <a:rPr lang="zh-CN" altLang="en-US" dirty="0" smtClean="0">
                 <a:solidFill>
                   <a:schemeClr val="bg1"/>
                 </a:solidFill>
               </a:rPr>
-              <a:t>，保证了</a:t>
+              <a:t>性，保</a:t>
+            </a:r>
+            <a:r>
+              <a:rPr lang="zh-CN" altLang="en-US" dirty="0" smtClean="0">
+                <a:solidFill>
+                  <a:schemeClr val="bg1"/>
+                </a:solidFill>
+              </a:rPr>
+              <a:t>证了</a:t>
             </a:r>
             <a:r>
               <a:rPr lang="en-US" altLang="zh-CN" dirty="0" smtClean="0">
@@ -30752,23 +30772,7 @@
                   <a:schemeClr val="bg1"/>
                 </a:solidFill>
               </a:rPr>
-              <a:t>的有效性和</a:t>
-            </a:r>
-            <a:r>
-              <a:rPr lang="zh-CN" altLang="en-US" dirty="0" smtClean="0">
-                <a:solidFill>
-                  <a:schemeClr val="bg1"/>
-                </a:solidFill>
-              </a:rPr>
-              <a:t>一致性</a:t>
-            </a:r>
-            <a:r>
-              <a:rPr lang="zh-CN" altLang="en-US" dirty="0" smtClean="0">
-                <a:solidFill>
-                  <a:schemeClr val="bg1"/>
-                </a:solidFill>
-              </a:rPr>
-              <a:t>。</a:t>
+              <a:t>的有效性和一致性。</a:t>
             </a:r>
             <a:endParaRPr lang="en-US" altLang="zh-CN" dirty="0">
               <a:solidFill>
@@ -30810,7 +30814,23 @@
                   <a:schemeClr val="bg1"/>
                 </a:solidFill>
               </a:rPr>
-              <a:t>通过分域思想保证了不同类型的</a:t>
+              <a:t>通过分域思</a:t>
+            </a:r>
+            <a:r>
+              <a:rPr lang="zh-CN" altLang="en-US" dirty="0" smtClean="0">
+                <a:solidFill>
+                  <a:schemeClr val="bg1"/>
+                </a:solidFill>
+              </a:rPr>
+              <a:t>想和多流表技术保</a:t>
+            </a:r>
+            <a:r>
+              <a:rPr lang="zh-CN" altLang="en-US" dirty="0" smtClean="0">
+                <a:solidFill>
+                  <a:schemeClr val="bg1"/>
+                </a:solidFill>
+              </a:rPr>
+              <a:t>证了不同类型的</a:t>
             </a:r>
             <a:r>
               <a:rPr lang="en-US" altLang="zh-CN" dirty="0" smtClean="0">
@@ -33692,7 +33712,7 @@
           <a:graphicData uri="http://schemas.openxmlformats.org/presentationml/2006/ole">
             <mc:AlternateContent xmlns:mc="http://schemas.openxmlformats.org/markup-compatibility/2006">
               <mc:Choice xmlns:v="urn:schemas-microsoft-com:vml" Requires="v">
-                <p:oleObj spid="_x0000_s13406" name="Visio" r:id="rId4" imgW="5153056" imgH="2705130" progId="Visio.Drawing.15">
+                <p:oleObj spid="_x0000_s13424" name="Visio" r:id="rId4" imgW="5153056" imgH="2705130" progId="Visio.Drawing.15">
                   <p:embed/>
                 </p:oleObj>
               </mc:Choice>
@@ -33904,15 +33924,7 @@
                   <a:schemeClr val="bg1"/>
                 </a:solidFill>
               </a:rPr>
-              <a:t>策略</a:t>
-            </a:r>
-            <a:r>
-              <a:rPr lang="zh-CN" altLang="en-US" dirty="0" smtClean="0">
-                <a:solidFill>
-                  <a:schemeClr val="bg1"/>
-                </a:solidFill>
-              </a:rPr>
-              <a:t>从生成到删除的过程中，其状态的变化过程。</a:t>
+              <a:t>策略从生成到删除的过程中，其状态的变化过程。</a:t>
             </a:r>
             <a:endParaRPr lang="en-US" altLang="zh-CN" dirty="0" smtClean="0">
               <a:solidFill>
@@ -34011,15 +34023,7 @@
                   <a:schemeClr val="bg1"/>
                 </a:solidFill>
               </a:rPr>
-              <a:t>. </a:t>
-            </a:r>
-            <a:r>
-              <a:rPr lang="en-US" dirty="0">
-                <a:solidFill>
-                  <a:schemeClr val="bg1"/>
-                </a:solidFill>
-              </a:rPr>
-              <a:t>Disassociations in Security Policy </a:t>
+              <a:t>. Disassociations in Security Policy </a:t>
             </a:r>
             <a:r>
               <a:rPr lang="en-US" dirty="0" smtClean="0">
@@ -34059,7 +34063,7 @@
           <a:graphicData uri="http://schemas.openxmlformats.org/presentationml/2006/ole">
             <mc:AlternateContent xmlns:mc="http://schemas.openxmlformats.org/markup-compatibility/2006">
               <mc:Choice xmlns:v="urn:schemas-microsoft-com:vml" Requires="v">
-                <p:oleObj spid="_x0000_s11378" name="Visio" r:id="rId4" imgW="5171965" imgH="2000160" progId="Visio.Drawing.15">
+                <p:oleObj spid="_x0000_s11396" name="Visio" r:id="rId4" imgW="5171965" imgH="2000160" progId="Visio.Drawing.15">
                   <p:embed/>
                 </p:oleObj>
               </mc:Choice>
@@ -34343,7 +34347,7 @@
           <a:graphicData uri="http://schemas.openxmlformats.org/presentationml/2006/ole">
             <mc:AlternateContent xmlns:mc="http://schemas.openxmlformats.org/markup-compatibility/2006">
               <mc:Choice xmlns:v="urn:schemas-microsoft-com:vml" Requires="v">
-                <p:oleObj spid="_x0000_s14409" name="Visio" r:id="rId4" imgW="5991278" imgH="2771820" progId="Visio.Drawing.15">
+                <p:oleObj spid="_x0000_s14427" name="Visio" r:id="rId4" imgW="5991278" imgH="2771820" progId="Visio.Drawing.15">
                   <p:embed/>
                 </p:oleObj>
               </mc:Choice>

--- a/IaaS下网络策略安全相关技术研究-苑中梁-v12.27-批注.pptx
+++ b/IaaS下网络策略安全相关技术研究-苑中梁-v12.27-批注.pptx
@@ -8006,580 +8006,6 @@
       <dsp:cNvGrpSpPr/>
     </dsp:nvGrpSpPr>
     <dsp:grpSpPr/>
-    <dsp:sp modelId="{75F39D85-F035-47E9-823A-A6DDE2D5D5C6}">
-      <dsp:nvSpPr>
-        <dsp:cNvPr id="0" name=""/>
-        <dsp:cNvSpPr/>
-      </dsp:nvSpPr>
-      <dsp:spPr>
-        <a:xfrm>
-          <a:off x="-4594335" y="-704407"/>
-          <a:ext cx="5472816" cy="5472816"/>
-        </a:xfrm>
-        <a:prstGeom prst="blockArc">
-          <a:avLst>
-            <a:gd name="adj1" fmla="val 18900000"/>
-            <a:gd name="adj2" fmla="val 2700000"/>
-            <a:gd name="adj3" fmla="val 395"/>
-          </a:avLst>
-        </a:prstGeom>
-        <a:noFill/>
-        <a:ln w="38100" cap="flat" cmpd="sng" algn="ctr">
-          <a:solidFill>
-            <a:schemeClr val="accent1">
-              <a:shade val="60000"/>
-              <a:hueOff val="0"/>
-              <a:satOff val="0"/>
-              <a:lumOff val="0"/>
-              <a:alphaOff val="0"/>
-            </a:schemeClr>
-          </a:solidFill>
-          <a:prstDash val="solid"/>
-        </a:ln>
-        <a:effectLst/>
-      </dsp:spPr>
-      <dsp:style>
-        <a:lnRef idx="2">
-          <a:scrgbClr r="0" g="0" b="0"/>
-        </a:lnRef>
-        <a:fillRef idx="0">
-          <a:scrgbClr r="0" g="0" b="0"/>
-        </a:fillRef>
-        <a:effectRef idx="0">
-          <a:scrgbClr r="0" g="0" b="0"/>
-        </a:effectRef>
-        <a:fontRef idx="minor"/>
-      </dsp:style>
-    </dsp:sp>
-    <dsp:sp modelId="{245A76EB-F826-48CE-A515-3F8D582C5BA3}">
-      <dsp:nvSpPr>
-        <dsp:cNvPr id="0" name=""/>
-        <dsp:cNvSpPr/>
-      </dsp:nvSpPr>
-      <dsp:spPr>
-        <a:xfrm>
-          <a:off x="460128" y="312440"/>
-          <a:ext cx="5580684" cy="625205"/>
-        </a:xfrm>
-        <a:prstGeom prst="rect">
-          <a:avLst/>
-        </a:prstGeom>
-        <a:solidFill>
-          <a:schemeClr val="accent1">
-            <a:hueOff val="0"/>
-            <a:satOff val="0"/>
-            <a:lumOff val="0"/>
-            <a:alphaOff val="0"/>
-          </a:schemeClr>
-        </a:solidFill>
-        <a:ln w="38100" cap="flat" cmpd="sng" algn="ctr">
-          <a:solidFill>
-            <a:schemeClr val="lt1">
-              <a:hueOff val="0"/>
-              <a:satOff val="0"/>
-              <a:lumOff val="0"/>
-              <a:alphaOff val="0"/>
-            </a:schemeClr>
-          </a:solidFill>
-          <a:prstDash val="solid"/>
-        </a:ln>
-        <a:effectLst/>
-      </dsp:spPr>
-      <dsp:style>
-        <a:lnRef idx="2">
-          <a:scrgbClr r="0" g="0" b="0"/>
-        </a:lnRef>
-        <a:fillRef idx="1">
-          <a:scrgbClr r="0" g="0" b="0"/>
-        </a:fillRef>
-        <a:effectRef idx="0">
-          <a:scrgbClr r="0" g="0" b="0"/>
-        </a:effectRef>
-        <a:fontRef idx="minor">
-          <a:schemeClr val="lt1"/>
-        </a:fontRef>
-      </dsp:style>
-      <dsp:txBody>
-        <a:bodyPr spcFirstLastPara="0" vert="horz" wrap="square" lIns="496257" tIns="60960" rIns="60960" bIns="60960" numCol="1" spcCol="1270" anchor="ctr" anchorCtr="0">
-          <a:noAutofit/>
-        </a:bodyPr>
-        <a:lstStyle/>
-        <a:p>
-          <a:pPr lvl="0" algn="l" defTabSz="1066800">
-            <a:lnSpc>
-              <a:spcPct val="90000"/>
-            </a:lnSpc>
-            <a:spcBef>
-              <a:spcPct val="0"/>
-            </a:spcBef>
-            <a:spcAft>
-              <a:spcPct val="35000"/>
-            </a:spcAft>
-          </a:pPr>
-          <a:r>
-            <a:rPr lang="zh-CN" altLang="en-US" sz="2400" kern="1200" dirty="0" smtClean="0">
-              <a:solidFill>
-                <a:schemeClr val="tx1"/>
-              </a:solidFill>
-            </a:rPr>
-            <a:t>研究背</a:t>
-          </a:r>
-          <a:r>
-            <a:rPr lang="zh-CN" altLang="en-US" sz="2400" kern="1200" dirty="0">
-              <a:solidFill>
-                <a:schemeClr val="tx1"/>
-              </a:solidFill>
-            </a:rPr>
-            <a:t>景</a:t>
-          </a:r>
-        </a:p>
-      </dsp:txBody>
-      <dsp:txXfrm>
-        <a:off x="460128" y="312440"/>
-        <a:ext cx="5580684" cy="625205"/>
-      </dsp:txXfrm>
-    </dsp:sp>
-    <dsp:sp modelId="{D3A6061C-F249-40EB-9438-8C8719118ED1}">
-      <dsp:nvSpPr>
-        <dsp:cNvPr id="0" name=""/>
-        <dsp:cNvSpPr/>
-      </dsp:nvSpPr>
-      <dsp:spPr>
-        <a:xfrm>
-          <a:off x="69375" y="234289"/>
-          <a:ext cx="781507" cy="781507"/>
-        </a:xfrm>
-        <a:prstGeom prst="ellipse">
-          <a:avLst/>
-        </a:prstGeom>
-        <a:solidFill>
-          <a:schemeClr val="lt1">
-            <a:hueOff val="0"/>
-            <a:satOff val="0"/>
-            <a:lumOff val="0"/>
-            <a:alphaOff val="0"/>
-          </a:schemeClr>
-        </a:solidFill>
-        <a:ln w="38100" cap="flat" cmpd="sng" algn="ctr">
-          <a:solidFill>
-            <a:schemeClr val="accent1">
-              <a:hueOff val="0"/>
-              <a:satOff val="0"/>
-              <a:lumOff val="0"/>
-              <a:alphaOff val="0"/>
-            </a:schemeClr>
-          </a:solidFill>
-          <a:prstDash val="solid"/>
-        </a:ln>
-        <a:effectLst/>
-      </dsp:spPr>
-      <dsp:style>
-        <a:lnRef idx="2">
-          <a:scrgbClr r="0" g="0" b="0"/>
-        </a:lnRef>
-        <a:fillRef idx="1">
-          <a:scrgbClr r="0" g="0" b="0"/>
-        </a:fillRef>
-        <a:effectRef idx="0">
-          <a:scrgbClr r="0" g="0" b="0"/>
-        </a:effectRef>
-        <a:fontRef idx="minor"/>
-      </dsp:style>
-    </dsp:sp>
-    <dsp:sp modelId="{8FCDFD85-93E8-4C18-ABB3-2E42CF101A95}">
-      <dsp:nvSpPr>
-        <dsp:cNvPr id="0" name=""/>
-        <dsp:cNvSpPr/>
-      </dsp:nvSpPr>
-      <dsp:spPr>
-        <a:xfrm>
-          <a:off x="818573" y="1250411"/>
-          <a:ext cx="5222240" cy="625205"/>
-        </a:xfrm>
-        <a:prstGeom prst="rect">
-          <a:avLst/>
-        </a:prstGeom>
-        <a:solidFill>
-          <a:schemeClr val="accent1">
-            <a:hueOff val="0"/>
-            <a:satOff val="0"/>
-            <a:lumOff val="0"/>
-            <a:alphaOff val="0"/>
-          </a:schemeClr>
-        </a:solidFill>
-        <a:ln w="38100" cap="flat" cmpd="sng" algn="ctr">
-          <a:solidFill>
-            <a:schemeClr val="lt1">
-              <a:hueOff val="0"/>
-              <a:satOff val="0"/>
-              <a:lumOff val="0"/>
-              <a:alphaOff val="0"/>
-            </a:schemeClr>
-          </a:solidFill>
-          <a:prstDash val="solid"/>
-        </a:ln>
-        <a:effectLst/>
-      </dsp:spPr>
-      <dsp:style>
-        <a:lnRef idx="2">
-          <a:scrgbClr r="0" g="0" b="0"/>
-        </a:lnRef>
-        <a:fillRef idx="1">
-          <a:scrgbClr r="0" g="0" b="0"/>
-        </a:fillRef>
-        <a:effectRef idx="0">
-          <a:scrgbClr r="0" g="0" b="0"/>
-        </a:effectRef>
-        <a:fontRef idx="minor">
-          <a:schemeClr val="lt1"/>
-        </a:fontRef>
-      </dsp:style>
-      <dsp:txBody>
-        <a:bodyPr spcFirstLastPara="0" vert="horz" wrap="square" lIns="496257" tIns="60960" rIns="60960" bIns="60960" numCol="1" spcCol="1270" anchor="ctr" anchorCtr="0">
-          <a:noAutofit/>
-        </a:bodyPr>
-        <a:lstStyle/>
-        <a:p>
-          <a:pPr lvl="0" algn="l" defTabSz="1066800">
-            <a:lnSpc>
-              <a:spcPct val="90000"/>
-            </a:lnSpc>
-            <a:spcBef>
-              <a:spcPct val="0"/>
-            </a:spcBef>
-            <a:spcAft>
-              <a:spcPct val="35000"/>
-            </a:spcAft>
-          </a:pPr>
-          <a:r>
-            <a:rPr lang="zh-CN" altLang="en-US" sz="2400" kern="1200" dirty="0">
-              <a:solidFill>
-                <a:schemeClr val="bg1"/>
-              </a:solidFill>
-            </a:rPr>
-            <a:t>研究现</a:t>
-          </a:r>
-          <a:r>
-            <a:rPr lang="zh-CN" altLang="en-US" sz="2400" kern="1200" dirty="0" smtClean="0">
-              <a:solidFill>
-                <a:schemeClr val="bg1"/>
-              </a:solidFill>
-            </a:rPr>
-            <a:t>状</a:t>
-          </a:r>
-          <a:endParaRPr lang="zh-CN" altLang="en-US" sz="2400" kern="1200" dirty="0">
-            <a:solidFill>
-              <a:schemeClr val="bg1"/>
-            </a:solidFill>
-          </a:endParaRPr>
-        </a:p>
-      </dsp:txBody>
-      <dsp:txXfrm>
-        <a:off x="818573" y="1250411"/>
-        <a:ext cx="5222240" cy="625205"/>
-      </dsp:txXfrm>
-    </dsp:sp>
-    <dsp:sp modelId="{DDE60330-49C0-43B6-8EDF-D69E2FBF1FFE}">
-      <dsp:nvSpPr>
-        <dsp:cNvPr id="0" name=""/>
-        <dsp:cNvSpPr/>
-      </dsp:nvSpPr>
-      <dsp:spPr>
-        <a:xfrm>
-          <a:off x="427819" y="1172260"/>
-          <a:ext cx="781507" cy="781507"/>
-        </a:xfrm>
-        <a:prstGeom prst="ellipse">
-          <a:avLst/>
-        </a:prstGeom>
-        <a:solidFill>
-          <a:schemeClr val="lt1">
-            <a:hueOff val="0"/>
-            <a:satOff val="0"/>
-            <a:lumOff val="0"/>
-            <a:alphaOff val="0"/>
-          </a:schemeClr>
-        </a:solidFill>
-        <a:ln w="38100" cap="flat" cmpd="sng" algn="ctr">
-          <a:solidFill>
-            <a:schemeClr val="accent1">
-              <a:hueOff val="0"/>
-              <a:satOff val="0"/>
-              <a:lumOff val="0"/>
-              <a:alphaOff val="0"/>
-            </a:schemeClr>
-          </a:solidFill>
-          <a:prstDash val="solid"/>
-        </a:ln>
-        <a:effectLst/>
-      </dsp:spPr>
-      <dsp:style>
-        <a:lnRef idx="2">
-          <a:scrgbClr r="0" g="0" b="0"/>
-        </a:lnRef>
-        <a:fillRef idx="1">
-          <a:scrgbClr r="0" g="0" b="0"/>
-        </a:fillRef>
-        <a:effectRef idx="0">
-          <a:scrgbClr r="0" g="0" b="0"/>
-        </a:effectRef>
-        <a:fontRef idx="minor"/>
-      </dsp:style>
-    </dsp:sp>
-    <dsp:sp modelId="{F3E05BCE-045C-448A-937C-570707F281FC}">
-      <dsp:nvSpPr>
-        <dsp:cNvPr id="0" name=""/>
-        <dsp:cNvSpPr/>
-      </dsp:nvSpPr>
-      <dsp:spPr>
-        <a:xfrm>
-          <a:off x="818573" y="2188382"/>
-          <a:ext cx="5222240" cy="625205"/>
-        </a:xfrm>
-        <a:prstGeom prst="rect">
-          <a:avLst/>
-        </a:prstGeom>
-        <a:solidFill>
-          <a:schemeClr val="accent1">
-            <a:hueOff val="0"/>
-            <a:satOff val="0"/>
-            <a:lumOff val="0"/>
-            <a:alphaOff val="0"/>
-          </a:schemeClr>
-        </a:solidFill>
-        <a:ln w="38100" cap="flat" cmpd="sng" algn="ctr">
-          <a:solidFill>
-            <a:schemeClr val="lt1">
-              <a:hueOff val="0"/>
-              <a:satOff val="0"/>
-              <a:lumOff val="0"/>
-              <a:alphaOff val="0"/>
-            </a:schemeClr>
-          </a:solidFill>
-          <a:prstDash val="solid"/>
-        </a:ln>
-        <a:effectLst/>
-      </dsp:spPr>
-      <dsp:style>
-        <a:lnRef idx="2">
-          <a:scrgbClr r="0" g="0" b="0"/>
-        </a:lnRef>
-        <a:fillRef idx="1">
-          <a:scrgbClr r="0" g="0" b="0"/>
-        </a:fillRef>
-        <a:effectRef idx="0">
-          <a:scrgbClr r="0" g="0" b="0"/>
-        </a:effectRef>
-        <a:fontRef idx="minor">
-          <a:schemeClr val="lt1"/>
-        </a:fontRef>
-      </dsp:style>
-      <dsp:txBody>
-        <a:bodyPr spcFirstLastPara="0" vert="horz" wrap="square" lIns="496257" tIns="60960" rIns="60960" bIns="60960" numCol="1" spcCol="1270" anchor="ctr" anchorCtr="0">
-          <a:noAutofit/>
-        </a:bodyPr>
-        <a:lstStyle/>
-        <a:p>
-          <a:pPr lvl="0" algn="l" defTabSz="1066800">
-            <a:lnSpc>
-              <a:spcPct val="90000"/>
-            </a:lnSpc>
-            <a:spcBef>
-              <a:spcPct val="0"/>
-            </a:spcBef>
-            <a:spcAft>
-              <a:spcPct val="35000"/>
-            </a:spcAft>
-          </a:pPr>
-          <a:r>
-            <a:rPr lang="zh-CN" altLang="en-US" sz="2400" kern="1200" dirty="0" smtClean="0"/>
-            <a:t>研究内容和技</a:t>
-          </a:r>
-          <a:r>
-            <a:rPr lang="zh-CN" altLang="en-US" sz="2400" kern="1200" dirty="0"/>
-            <a:t>术路线</a:t>
-          </a:r>
-        </a:p>
-      </dsp:txBody>
-      <dsp:txXfrm>
-        <a:off x="818573" y="2188382"/>
-        <a:ext cx="5222240" cy="625205"/>
-      </dsp:txXfrm>
-    </dsp:sp>
-    <dsp:sp modelId="{9A8567D1-6B86-4A05-855A-934F480C3D6B}">
-      <dsp:nvSpPr>
-        <dsp:cNvPr id="0" name=""/>
-        <dsp:cNvSpPr/>
-      </dsp:nvSpPr>
-      <dsp:spPr>
-        <a:xfrm>
-          <a:off x="427819" y="2110232"/>
-          <a:ext cx="781507" cy="781507"/>
-        </a:xfrm>
-        <a:prstGeom prst="ellipse">
-          <a:avLst/>
-        </a:prstGeom>
-        <a:solidFill>
-          <a:schemeClr val="lt1">
-            <a:hueOff val="0"/>
-            <a:satOff val="0"/>
-            <a:lumOff val="0"/>
-            <a:alphaOff val="0"/>
-          </a:schemeClr>
-        </a:solidFill>
-        <a:ln w="38100" cap="flat" cmpd="sng" algn="ctr">
-          <a:solidFill>
-            <a:schemeClr val="accent1">
-              <a:hueOff val="0"/>
-              <a:satOff val="0"/>
-              <a:lumOff val="0"/>
-              <a:alphaOff val="0"/>
-            </a:schemeClr>
-          </a:solidFill>
-          <a:prstDash val="solid"/>
-        </a:ln>
-        <a:effectLst/>
-      </dsp:spPr>
-      <dsp:style>
-        <a:lnRef idx="2">
-          <a:scrgbClr r="0" g="0" b="0"/>
-        </a:lnRef>
-        <a:fillRef idx="1">
-          <a:scrgbClr r="0" g="0" b="0"/>
-        </a:fillRef>
-        <a:effectRef idx="0">
-          <a:scrgbClr r="0" g="0" b="0"/>
-        </a:effectRef>
-        <a:fontRef idx="minor"/>
-      </dsp:style>
-    </dsp:sp>
-    <dsp:sp modelId="{F18979B6-F41E-40B9-B180-7FF39FEEAB4B}">
-      <dsp:nvSpPr>
-        <dsp:cNvPr id="0" name=""/>
-        <dsp:cNvSpPr/>
-      </dsp:nvSpPr>
-      <dsp:spPr>
-        <a:xfrm>
-          <a:off x="460128" y="3126353"/>
-          <a:ext cx="5580684" cy="625205"/>
-        </a:xfrm>
-        <a:prstGeom prst="rect">
-          <a:avLst/>
-        </a:prstGeom>
-        <a:solidFill>
-          <a:schemeClr val="accent1">
-            <a:hueOff val="0"/>
-            <a:satOff val="0"/>
-            <a:lumOff val="0"/>
-            <a:alphaOff val="0"/>
-          </a:schemeClr>
-        </a:solidFill>
-        <a:ln w="38100" cap="flat" cmpd="sng" algn="ctr">
-          <a:solidFill>
-            <a:schemeClr val="lt1">
-              <a:hueOff val="0"/>
-              <a:satOff val="0"/>
-              <a:lumOff val="0"/>
-              <a:alphaOff val="0"/>
-            </a:schemeClr>
-          </a:solidFill>
-          <a:prstDash val="solid"/>
-        </a:ln>
-        <a:effectLst/>
-      </dsp:spPr>
-      <dsp:style>
-        <a:lnRef idx="2">
-          <a:scrgbClr r="0" g="0" b="0"/>
-        </a:lnRef>
-        <a:fillRef idx="1">
-          <a:scrgbClr r="0" g="0" b="0"/>
-        </a:fillRef>
-        <a:effectRef idx="0">
-          <a:scrgbClr r="0" g="0" b="0"/>
-        </a:effectRef>
-        <a:fontRef idx="minor">
-          <a:schemeClr val="lt1"/>
-        </a:fontRef>
-      </dsp:style>
-      <dsp:txBody>
-        <a:bodyPr spcFirstLastPara="0" vert="horz" wrap="square" lIns="496257" tIns="60960" rIns="60960" bIns="60960" numCol="1" spcCol="1270" anchor="ctr" anchorCtr="0">
-          <a:noAutofit/>
-        </a:bodyPr>
-        <a:lstStyle/>
-        <a:p>
-          <a:pPr lvl="0" algn="l" defTabSz="1066800">
-            <a:lnSpc>
-              <a:spcPct val="90000"/>
-            </a:lnSpc>
-            <a:spcBef>
-              <a:spcPct val="0"/>
-            </a:spcBef>
-            <a:spcAft>
-              <a:spcPct val="35000"/>
-            </a:spcAft>
-          </a:pPr>
-          <a:r>
-            <a:rPr lang="zh-CN" altLang="en-US" sz="2400" kern="1200" dirty="0" smtClean="0"/>
-            <a:t>创</a:t>
-          </a:r>
-          <a:r>
-            <a:rPr lang="zh-CN" altLang="en-US" sz="2400" kern="1200" dirty="0"/>
-            <a:t>新点</a:t>
-          </a:r>
-        </a:p>
-      </dsp:txBody>
-      <dsp:txXfrm>
-        <a:off x="460128" y="3126353"/>
-        <a:ext cx="5580684" cy="625205"/>
-      </dsp:txXfrm>
-    </dsp:sp>
-    <dsp:sp modelId="{AD73187C-A028-4C74-9BB9-E2D7442E26DB}">
-      <dsp:nvSpPr>
-        <dsp:cNvPr id="0" name=""/>
-        <dsp:cNvSpPr/>
-      </dsp:nvSpPr>
-      <dsp:spPr>
-        <a:xfrm>
-          <a:off x="69375" y="3048203"/>
-          <a:ext cx="781507" cy="781507"/>
-        </a:xfrm>
-        <a:prstGeom prst="ellipse">
-          <a:avLst/>
-        </a:prstGeom>
-        <a:solidFill>
-          <a:schemeClr val="lt1">
-            <a:hueOff val="0"/>
-            <a:satOff val="0"/>
-            <a:lumOff val="0"/>
-            <a:alphaOff val="0"/>
-          </a:schemeClr>
-        </a:solidFill>
-        <a:ln w="38100" cap="flat" cmpd="sng" algn="ctr">
-          <a:solidFill>
-            <a:schemeClr val="accent1">
-              <a:hueOff val="0"/>
-              <a:satOff val="0"/>
-              <a:lumOff val="0"/>
-              <a:alphaOff val="0"/>
-            </a:schemeClr>
-          </a:solidFill>
-          <a:prstDash val="solid"/>
-        </a:ln>
-        <a:effectLst/>
-      </dsp:spPr>
-      <dsp:style>
-        <a:lnRef idx="2">
-          <a:scrgbClr r="0" g="0" b="0"/>
-        </a:lnRef>
-        <a:fillRef idx="1">
-          <a:scrgbClr r="0" g="0" b="0"/>
-        </a:fillRef>
-        <a:effectRef idx="0">
-          <a:scrgbClr r="0" g="0" b="0"/>
-        </a:effectRef>
-        <a:fontRef idx="minor"/>
-      </dsp:style>
-    </dsp:sp>
   </dsp:spTree>
 </dsp:drawing>
 </file>
@@ -8592,683 +8018,6 @@
       <dsp:cNvGrpSpPr/>
     </dsp:nvGrpSpPr>
     <dsp:grpSpPr/>
-    <dsp:sp modelId="{F71F89D4-638D-448C-B545-189392C5A2E6}">
-      <dsp:nvSpPr>
-        <dsp:cNvPr id="0" name=""/>
-        <dsp:cNvSpPr/>
-      </dsp:nvSpPr>
-      <dsp:spPr>
-        <a:xfrm>
-          <a:off x="0" y="275016"/>
-          <a:ext cx="2623390" cy="1574033"/>
-        </a:xfrm>
-        <a:prstGeom prst="rect">
-          <a:avLst/>
-        </a:prstGeom>
-        <a:solidFill>
-          <a:schemeClr val="accent2">
-            <a:lumMod val="60000"/>
-            <a:lumOff val="40000"/>
-          </a:schemeClr>
-        </a:solidFill>
-        <a:ln w="38100" cap="flat" cmpd="sng" algn="ctr">
-          <a:solidFill>
-            <a:schemeClr val="lt1">
-              <a:hueOff val="0"/>
-              <a:satOff val="0"/>
-              <a:lumOff val="0"/>
-              <a:alphaOff val="0"/>
-            </a:schemeClr>
-          </a:solidFill>
-          <a:prstDash val="solid"/>
-        </a:ln>
-        <a:effectLst/>
-      </dsp:spPr>
-      <dsp:style>
-        <a:lnRef idx="2">
-          <a:scrgbClr r="0" g="0" b="0"/>
-        </a:lnRef>
-        <a:fillRef idx="1">
-          <a:scrgbClr r="0" g="0" b="0"/>
-        </a:fillRef>
-        <a:effectRef idx="0">
-          <a:scrgbClr r="0" g="0" b="0"/>
-        </a:effectRef>
-        <a:fontRef idx="minor">
-          <a:schemeClr val="lt1"/>
-        </a:fontRef>
-      </dsp:style>
-      <dsp:txBody>
-        <a:bodyPr spcFirstLastPara="0" vert="horz" wrap="square" lIns="53340" tIns="53340" rIns="53340" bIns="53340" numCol="1" spcCol="1270" anchor="ctr" anchorCtr="0">
-          <a:noAutofit/>
-        </a:bodyPr>
-        <a:lstStyle/>
-        <a:p>
-          <a:pPr lvl="0" algn="just" defTabSz="622300" latinLnBrk="1">
-            <a:lnSpc>
-              <a:spcPct val="90000"/>
-            </a:lnSpc>
-            <a:spcBef>
-              <a:spcPct val="0"/>
-            </a:spcBef>
-            <a:spcAft>
-              <a:spcPct val="35000"/>
-            </a:spcAft>
-          </a:pPr>
-          <a:r>
-            <a:rPr lang="en-US" altLang="zh-CN" sz="1400" kern="1200" dirty="0" smtClean="0">
-              <a:solidFill>
-                <a:schemeClr val="bg1"/>
-              </a:solidFill>
-              <a:latin typeface="+mn-ea"/>
-            </a:rPr>
-            <a:t>Security in Software-Defined Networking: Threats and Countermeasures[16</a:t>
-          </a:r>
-          <a:r>
-            <a:rPr lang="zh-CN" altLang="en-US" sz="1400" kern="1200" dirty="0" smtClean="0">
-              <a:solidFill>
-                <a:schemeClr val="bg1"/>
-              </a:solidFill>
-              <a:latin typeface="+mn-ea"/>
-            </a:rPr>
-            <a:t>年</a:t>
-          </a:r>
-          <a:r>
-            <a:rPr lang="en-US" altLang="zh-CN" sz="1400" kern="1200" dirty="0" smtClean="0">
-              <a:solidFill>
-                <a:schemeClr val="bg1"/>
-              </a:solidFill>
-              <a:latin typeface="+mn-ea"/>
-            </a:rPr>
-            <a:t>SCI]</a:t>
-          </a:r>
-          <a:r>
-            <a:rPr lang="zh-CN" altLang="en-US" sz="1400" kern="1200" dirty="0" smtClean="0">
-              <a:solidFill>
-                <a:schemeClr val="bg1"/>
-              </a:solidFill>
-              <a:latin typeface="+mn-ea"/>
-            </a:rPr>
-            <a:t>全面分析了</a:t>
-          </a:r>
-          <a:r>
-            <a:rPr lang="en-US" altLang="zh-CN" sz="1400" kern="1200" dirty="0" smtClean="0">
-              <a:solidFill>
-                <a:schemeClr val="bg1"/>
-              </a:solidFill>
-              <a:latin typeface="+mn-ea"/>
-            </a:rPr>
-            <a:t>SDN</a:t>
-          </a:r>
-          <a:r>
-            <a:rPr lang="zh-CN" altLang="en-US" sz="1400" kern="1200" dirty="0" smtClean="0">
-              <a:solidFill>
-                <a:schemeClr val="bg1"/>
-              </a:solidFill>
-              <a:latin typeface="+mn-ea"/>
-            </a:rPr>
-            <a:t>网络面临的安全问题，但未给出具体解决方案。</a:t>
-          </a:r>
-          <a:endParaRPr lang="en-US" sz="1400" kern="1200" dirty="0"/>
-        </a:p>
-      </dsp:txBody>
-      <dsp:txXfrm>
-        <a:off x="0" y="275016"/>
-        <a:ext cx="2623390" cy="1574033"/>
-      </dsp:txXfrm>
-    </dsp:sp>
-    <dsp:sp modelId="{DC9A1480-D773-4719-8DCE-B9697A07C528}">
-      <dsp:nvSpPr>
-        <dsp:cNvPr id="0" name=""/>
-        <dsp:cNvSpPr/>
-      </dsp:nvSpPr>
-      <dsp:spPr>
-        <a:xfrm>
-          <a:off x="2885728" y="275016"/>
-          <a:ext cx="2623390" cy="1574033"/>
-        </a:xfrm>
-        <a:prstGeom prst="rect">
-          <a:avLst/>
-        </a:prstGeom>
-        <a:solidFill>
-          <a:schemeClr val="accent3">
-            <a:lumMod val="40000"/>
-            <a:lumOff val="60000"/>
-          </a:schemeClr>
-        </a:solidFill>
-        <a:ln w="38100" cap="flat" cmpd="sng" algn="ctr">
-          <a:solidFill>
-            <a:schemeClr val="lt1">
-              <a:hueOff val="0"/>
-              <a:satOff val="0"/>
-              <a:lumOff val="0"/>
-              <a:alphaOff val="0"/>
-            </a:schemeClr>
-          </a:solidFill>
-          <a:prstDash val="solid"/>
-        </a:ln>
-        <a:effectLst/>
-      </dsp:spPr>
-      <dsp:style>
-        <a:lnRef idx="2">
-          <a:scrgbClr r="0" g="0" b="0"/>
-        </a:lnRef>
-        <a:fillRef idx="1">
-          <a:scrgbClr r="0" g="0" b="0"/>
-        </a:fillRef>
-        <a:effectRef idx="0">
-          <a:scrgbClr r="0" g="0" b="0"/>
-        </a:effectRef>
-        <a:fontRef idx="minor">
-          <a:schemeClr val="lt1"/>
-        </a:fontRef>
-      </dsp:style>
-      <dsp:txBody>
-        <a:bodyPr spcFirstLastPara="0" vert="horz" wrap="square" lIns="53340" tIns="53340" rIns="53340" bIns="53340" numCol="1" spcCol="1270" anchor="ctr" anchorCtr="0">
-          <a:noAutofit/>
-        </a:bodyPr>
-        <a:lstStyle/>
-        <a:p>
-          <a:pPr lvl="0" algn="just" defTabSz="622300">
-            <a:lnSpc>
-              <a:spcPct val="90000"/>
-            </a:lnSpc>
-            <a:spcBef>
-              <a:spcPct val="0"/>
-            </a:spcBef>
-            <a:spcAft>
-              <a:spcPct val="35000"/>
-            </a:spcAft>
-          </a:pPr>
-          <a:r>
-            <a:rPr lang="en-US" altLang="zh-CN" sz="1400" kern="1200" dirty="0" smtClean="0">
-              <a:solidFill>
-                <a:schemeClr val="bg1"/>
-              </a:solidFill>
-            </a:rPr>
-            <a:t>《</a:t>
-          </a:r>
-          <a:r>
-            <a:rPr lang="zh-CN" altLang="en-US" sz="1400" kern="1200" dirty="0" smtClean="0">
-              <a:solidFill>
-                <a:schemeClr val="bg1"/>
-              </a:solidFill>
-            </a:rPr>
-            <a:t>软件定义网络 ：安全模型、机制和研究</a:t>
-          </a:r>
-          <a:r>
-            <a:rPr lang="en-US" altLang="zh-CN" sz="1400" kern="1200" dirty="0" smtClean="0">
-              <a:solidFill>
-                <a:schemeClr val="bg1"/>
-              </a:solidFill>
-            </a:rPr>
-            <a:t>》[16</a:t>
-          </a:r>
-          <a:r>
-            <a:rPr lang="zh-CN" altLang="en-US" sz="1400" kern="1200" dirty="0" smtClean="0">
-              <a:solidFill>
-                <a:schemeClr val="bg1"/>
-              </a:solidFill>
-            </a:rPr>
-            <a:t>年软件学报</a:t>
-          </a:r>
-          <a:r>
-            <a:rPr lang="en-US" altLang="zh-CN" sz="1400" kern="1200" dirty="0" smtClean="0">
-              <a:solidFill>
-                <a:schemeClr val="bg1"/>
-              </a:solidFill>
-            </a:rPr>
-            <a:t>]</a:t>
-          </a:r>
-          <a:r>
-            <a:rPr lang="zh-CN" altLang="en-US" sz="1400" kern="1200" dirty="0" smtClean="0">
-              <a:solidFill>
-                <a:schemeClr val="bg1"/>
-              </a:solidFill>
-            </a:rPr>
-            <a:t>强调了控制器自身的脆弱性并且提出两平面之间的通信安全需要得到保障。</a:t>
-          </a:r>
-          <a:endParaRPr lang="en-US" sz="1400" kern="1200" dirty="0">
-            <a:solidFill>
-              <a:schemeClr val="bg1"/>
-            </a:solidFill>
-          </a:endParaRPr>
-        </a:p>
-      </dsp:txBody>
-      <dsp:txXfrm>
-        <a:off x="2885728" y="275016"/>
-        <a:ext cx="2623390" cy="1574033"/>
-      </dsp:txXfrm>
-    </dsp:sp>
-    <dsp:sp modelId="{DE801773-82C2-4CF2-AEF0-F05901702727}">
-      <dsp:nvSpPr>
-        <dsp:cNvPr id="0" name=""/>
-        <dsp:cNvSpPr/>
-      </dsp:nvSpPr>
-      <dsp:spPr>
-        <a:xfrm>
-          <a:off x="5771458" y="275016"/>
-          <a:ext cx="2623390" cy="1574033"/>
-        </a:xfrm>
-        <a:prstGeom prst="rect">
-          <a:avLst/>
-        </a:prstGeom>
-        <a:solidFill>
-          <a:schemeClr val="accent4">
-            <a:lumMod val="60000"/>
-            <a:lumOff val="40000"/>
-          </a:schemeClr>
-        </a:solidFill>
-        <a:ln w="38100" cap="flat" cmpd="sng" algn="ctr">
-          <a:solidFill>
-            <a:schemeClr val="lt1">
-              <a:hueOff val="0"/>
-              <a:satOff val="0"/>
-              <a:lumOff val="0"/>
-              <a:alphaOff val="0"/>
-            </a:schemeClr>
-          </a:solidFill>
-          <a:prstDash val="solid"/>
-        </a:ln>
-        <a:effectLst/>
-      </dsp:spPr>
-      <dsp:style>
-        <a:lnRef idx="2">
-          <a:scrgbClr r="0" g="0" b="0"/>
-        </a:lnRef>
-        <a:fillRef idx="1">
-          <a:scrgbClr r="0" g="0" b="0"/>
-        </a:fillRef>
-        <a:effectRef idx="0">
-          <a:scrgbClr r="0" g="0" b="0"/>
-        </a:effectRef>
-        <a:fontRef idx="minor">
-          <a:schemeClr val="lt1"/>
-        </a:fontRef>
-      </dsp:style>
-      <dsp:txBody>
-        <a:bodyPr spcFirstLastPara="0" vert="horz" wrap="square" lIns="53340" tIns="53340" rIns="53340" bIns="53340" numCol="1" spcCol="1270" anchor="ctr" anchorCtr="0">
-          <a:noAutofit/>
-        </a:bodyPr>
-        <a:lstStyle/>
-        <a:p>
-          <a:pPr lvl="0" algn="just" defTabSz="622300" latinLnBrk="1">
-            <a:lnSpc>
-              <a:spcPct val="90000"/>
-            </a:lnSpc>
-            <a:spcBef>
-              <a:spcPct val="0"/>
-            </a:spcBef>
-            <a:spcAft>
-              <a:spcPct val="35000"/>
-            </a:spcAft>
-          </a:pPr>
-          <a:r>
-            <a:rPr lang="en-US" altLang="zh-CN" sz="1400" kern="1200" dirty="0" smtClean="0">
-              <a:solidFill>
-                <a:schemeClr val="bg1"/>
-              </a:solidFill>
-            </a:rPr>
-            <a:t>《</a:t>
-          </a:r>
-          <a:r>
-            <a:rPr lang="en-US" sz="1400" kern="1200" dirty="0" smtClean="0">
-              <a:solidFill>
-                <a:schemeClr val="bg1"/>
-              </a:solidFill>
-            </a:rPr>
-            <a:t>FlowChecker: configuration analysis and verification of federated OpenFlow infrastructures</a:t>
-          </a:r>
-          <a:r>
-            <a:rPr lang="en-US" altLang="zh-CN" sz="1400" kern="1200" dirty="0" smtClean="0">
-              <a:solidFill>
-                <a:schemeClr val="bg1"/>
-              </a:solidFill>
-            </a:rPr>
-            <a:t>》[10</a:t>
-          </a:r>
-          <a:r>
-            <a:rPr lang="zh-CN" altLang="en-US" sz="1400" kern="1200" dirty="0" smtClean="0">
-              <a:solidFill>
-                <a:schemeClr val="bg1"/>
-              </a:solidFill>
-            </a:rPr>
-            <a:t>年</a:t>
-          </a:r>
-          <a:r>
-            <a:rPr lang="en-US" altLang="zh-CN" sz="1400" kern="1200" dirty="0" smtClean="0">
-              <a:solidFill>
-                <a:schemeClr val="bg1"/>
-              </a:solidFill>
-            </a:rPr>
-            <a:t>SCI]</a:t>
-          </a:r>
-          <a:r>
-            <a:rPr lang="zh-CN" altLang="en-US" sz="1400" kern="1200" dirty="0" smtClean="0">
-              <a:solidFill>
-                <a:schemeClr val="bg1"/>
-              </a:solidFill>
-            </a:rPr>
-            <a:t>尝试解决策略一致性问题，但是使用控制器模块对</a:t>
-          </a:r>
-          <a:r>
-            <a:rPr lang="en-US" sz="1400" kern="1200" dirty="0" smtClean="0">
-              <a:solidFill>
-                <a:schemeClr val="bg1"/>
-              </a:solidFill>
-            </a:rPr>
-            <a:t>switch</a:t>
-          </a:r>
-          <a:r>
-            <a:rPr lang="zh-CN" altLang="en-US" sz="1400" kern="1200" dirty="0" smtClean="0">
-              <a:solidFill>
-                <a:schemeClr val="bg1"/>
-              </a:solidFill>
-            </a:rPr>
-            <a:t>定期检查流表状态，损耗较大。</a:t>
-          </a:r>
-          <a:endParaRPr lang="en-US" sz="1400" kern="1200" dirty="0"/>
-        </a:p>
-      </dsp:txBody>
-      <dsp:txXfrm>
-        <a:off x="5771458" y="275016"/>
-        <a:ext cx="2623390" cy="1574033"/>
-      </dsp:txXfrm>
-    </dsp:sp>
-    <dsp:sp modelId="{00FB2AD8-6559-4AC6-92D4-8A4B10261B41}">
-      <dsp:nvSpPr>
-        <dsp:cNvPr id="0" name=""/>
-        <dsp:cNvSpPr/>
-      </dsp:nvSpPr>
-      <dsp:spPr>
-        <a:xfrm>
-          <a:off x="1442864" y="2111389"/>
-          <a:ext cx="2623390" cy="1574033"/>
-        </a:xfrm>
-        <a:prstGeom prst="rect">
-          <a:avLst/>
-        </a:prstGeom>
-        <a:solidFill>
-          <a:schemeClr val="accent5">
-            <a:lumMod val="40000"/>
-            <a:lumOff val="60000"/>
-          </a:schemeClr>
-        </a:solidFill>
-        <a:ln w="38100" cap="flat" cmpd="sng" algn="ctr">
-          <a:solidFill>
-            <a:schemeClr val="lt1">
-              <a:hueOff val="0"/>
-              <a:satOff val="0"/>
-              <a:lumOff val="0"/>
-              <a:alphaOff val="0"/>
-            </a:schemeClr>
-          </a:solidFill>
-          <a:prstDash val="solid"/>
-        </a:ln>
-        <a:effectLst/>
-      </dsp:spPr>
-      <dsp:style>
-        <a:lnRef idx="2">
-          <a:scrgbClr r="0" g="0" b="0"/>
-        </a:lnRef>
-        <a:fillRef idx="1">
-          <a:scrgbClr r="0" g="0" b="0"/>
-        </a:fillRef>
-        <a:effectRef idx="0">
-          <a:scrgbClr r="0" g="0" b="0"/>
-        </a:effectRef>
-        <a:fontRef idx="minor">
-          <a:schemeClr val="lt1"/>
-        </a:fontRef>
-      </dsp:style>
-      <dsp:txBody>
-        <a:bodyPr spcFirstLastPara="0" vert="horz" wrap="square" lIns="53340" tIns="53340" rIns="53340" bIns="53340" numCol="1" spcCol="1270" anchor="ctr" anchorCtr="0">
-          <a:noAutofit/>
-        </a:bodyPr>
-        <a:lstStyle/>
-        <a:p>
-          <a:pPr lvl="0" algn="just" defTabSz="622300">
-            <a:lnSpc>
-              <a:spcPct val="90000"/>
-            </a:lnSpc>
-            <a:spcBef>
-              <a:spcPct val="0"/>
-            </a:spcBef>
-            <a:spcAft>
-              <a:spcPct val="35000"/>
-            </a:spcAft>
-          </a:pPr>
-          <a:r>
-            <a:rPr lang="en-US" altLang="zh-CN" sz="1400" kern="1200" dirty="0" smtClean="0">
-              <a:solidFill>
-                <a:schemeClr val="bg1"/>
-              </a:solidFill>
-            </a:rPr>
-            <a:t>《</a:t>
-          </a:r>
-          <a:r>
-            <a:rPr lang="zh-CN" altLang="en-US" sz="1400" kern="1200" dirty="0" smtClean="0">
-              <a:solidFill>
-                <a:schemeClr val="bg1"/>
-              </a:solidFill>
-            </a:rPr>
-            <a:t>支持应用层策略下发的 </a:t>
-          </a:r>
-          <a:r>
-            <a:rPr lang="en-US" sz="1400" kern="1200" dirty="0" smtClean="0">
-              <a:solidFill>
-                <a:schemeClr val="bg1"/>
-              </a:solidFill>
-            </a:rPr>
-            <a:t>OpenFlow </a:t>
-          </a:r>
-          <a:r>
-            <a:rPr lang="zh-CN" altLang="en-US" sz="1400" kern="1200" dirty="0" smtClean="0">
-              <a:solidFill>
-                <a:schemeClr val="bg1"/>
-              </a:solidFill>
-            </a:rPr>
-            <a:t>控制器设计与实现</a:t>
-          </a:r>
-          <a:r>
-            <a:rPr lang="en-US" altLang="zh-CN" sz="1400" kern="1200" dirty="0" smtClean="0">
-              <a:solidFill>
-                <a:schemeClr val="bg1"/>
-              </a:solidFill>
-            </a:rPr>
-            <a:t>》[14</a:t>
-          </a:r>
-          <a:r>
-            <a:rPr lang="zh-CN" altLang="en-US" sz="1400" kern="1200" dirty="0" smtClean="0">
-              <a:solidFill>
-                <a:schemeClr val="bg1"/>
-              </a:solidFill>
-            </a:rPr>
-            <a:t>年核心</a:t>
-          </a:r>
-          <a:r>
-            <a:rPr lang="en-US" altLang="zh-CN" sz="1400" kern="1200" dirty="0" smtClean="0">
-              <a:solidFill>
-                <a:schemeClr val="bg1"/>
-              </a:solidFill>
-            </a:rPr>
-            <a:t>]</a:t>
-          </a:r>
-          <a:r>
-            <a:rPr lang="zh-CN" altLang="en-US" sz="1400" kern="1200" dirty="0" smtClean="0">
-              <a:solidFill>
-                <a:schemeClr val="bg1"/>
-              </a:solidFill>
-            </a:rPr>
-            <a:t>尝试使用缓冲池的方式来解决策略冲突问题，但是带来的延迟过大，不适合</a:t>
-          </a:r>
-          <a:r>
-            <a:rPr lang="en-US" altLang="zh-CN" sz="1400" kern="1200" dirty="0" smtClean="0">
-              <a:solidFill>
-                <a:schemeClr val="bg1"/>
-              </a:solidFill>
-            </a:rPr>
-            <a:t>SDN</a:t>
-          </a:r>
-          <a:r>
-            <a:rPr lang="zh-CN" altLang="en-US" sz="1400" kern="1200" dirty="0" smtClean="0">
-              <a:solidFill>
-                <a:schemeClr val="bg1"/>
-              </a:solidFill>
-            </a:rPr>
-            <a:t>环境下策略需要即时生效的需求。</a:t>
-          </a:r>
-          <a:endParaRPr lang="en-US" sz="1400" kern="1200" dirty="0">
-            <a:solidFill>
-              <a:schemeClr val="bg1"/>
-            </a:solidFill>
-          </a:endParaRPr>
-        </a:p>
-      </dsp:txBody>
-      <dsp:txXfrm>
-        <a:off x="1442864" y="2111389"/>
-        <a:ext cx="2623390" cy="1574033"/>
-      </dsp:txXfrm>
-    </dsp:sp>
-    <dsp:sp modelId="{D88CE2EA-936C-4781-88E4-B3F451407261}">
-      <dsp:nvSpPr>
-        <dsp:cNvPr id="0" name=""/>
-        <dsp:cNvSpPr/>
-      </dsp:nvSpPr>
-      <dsp:spPr>
-        <a:xfrm>
-          <a:off x="4328593" y="2111389"/>
-          <a:ext cx="2623390" cy="1574033"/>
-        </a:xfrm>
-        <a:prstGeom prst="rect">
-          <a:avLst/>
-        </a:prstGeom>
-        <a:solidFill>
-          <a:schemeClr val="accent6">
-            <a:lumMod val="40000"/>
-            <a:lumOff val="60000"/>
-          </a:schemeClr>
-        </a:solidFill>
-        <a:ln w="38100" cap="flat" cmpd="sng" algn="ctr">
-          <a:solidFill>
-            <a:schemeClr val="lt1">
-              <a:hueOff val="0"/>
-              <a:satOff val="0"/>
-              <a:lumOff val="0"/>
-              <a:alphaOff val="0"/>
-            </a:schemeClr>
-          </a:solidFill>
-          <a:prstDash val="solid"/>
-        </a:ln>
-        <a:effectLst/>
-      </dsp:spPr>
-      <dsp:style>
-        <a:lnRef idx="2">
-          <a:scrgbClr r="0" g="0" b="0"/>
-        </a:lnRef>
-        <a:fillRef idx="1">
-          <a:scrgbClr r="0" g="0" b="0"/>
-        </a:fillRef>
-        <a:effectRef idx="0">
-          <a:scrgbClr r="0" g="0" b="0"/>
-        </a:effectRef>
-        <a:fontRef idx="minor">
-          <a:schemeClr val="lt1"/>
-        </a:fontRef>
-      </dsp:style>
-      <dsp:txBody>
-        <a:bodyPr spcFirstLastPara="0" vert="horz" wrap="square" lIns="53340" tIns="53340" rIns="53340" bIns="53340" numCol="1" spcCol="1270" anchor="ctr" anchorCtr="0">
-          <a:noAutofit/>
-        </a:bodyPr>
-        <a:lstStyle/>
-        <a:p>
-          <a:pPr lvl="0" algn="just" defTabSz="622300">
-            <a:lnSpc>
-              <a:spcPct val="90000"/>
-            </a:lnSpc>
-            <a:spcBef>
-              <a:spcPct val="0"/>
-            </a:spcBef>
-            <a:spcAft>
-              <a:spcPct val="35000"/>
-            </a:spcAft>
-          </a:pPr>
-          <a:r>
-            <a:rPr lang="en-US" altLang="zh-CN" sz="1400" kern="1200" dirty="0" smtClean="0">
-              <a:solidFill>
-                <a:schemeClr val="bg1"/>
-              </a:solidFill>
-            </a:rPr>
-            <a:t>《</a:t>
-          </a:r>
-          <a:r>
-            <a:rPr lang="zh-CN" altLang="en-US" sz="1400" kern="1200" dirty="0" smtClean="0">
-              <a:solidFill>
-                <a:schemeClr val="bg1"/>
-              </a:solidFill>
-            </a:rPr>
-            <a:t>基于网络时延的</a:t>
-          </a:r>
-          <a:r>
-            <a:rPr lang="en-US" sz="1400" kern="1200" dirty="0" smtClean="0">
-              <a:solidFill>
-                <a:schemeClr val="bg1"/>
-              </a:solidFill>
-            </a:rPr>
-            <a:t>SDN</a:t>
-          </a:r>
-          <a:r>
-            <a:rPr lang="zh-CN" altLang="en-US" sz="1400" kern="1200" dirty="0" smtClean="0">
-              <a:solidFill>
-                <a:schemeClr val="bg1"/>
-              </a:solidFill>
-            </a:rPr>
-            <a:t>逻辑一致性策略研究</a:t>
-          </a:r>
-          <a:r>
-            <a:rPr lang="en-US" altLang="zh-CN" sz="1400" kern="1200" dirty="0" smtClean="0">
-              <a:solidFill>
-                <a:schemeClr val="bg1"/>
-              </a:solidFill>
-            </a:rPr>
-            <a:t>》[14</a:t>
-          </a:r>
-          <a:r>
-            <a:rPr lang="zh-CN" altLang="en-US" sz="1400" kern="1200" dirty="0" smtClean="0">
-              <a:solidFill>
-                <a:schemeClr val="bg1"/>
-              </a:solidFill>
-            </a:rPr>
-            <a:t>年</a:t>
-          </a:r>
-          <a:r>
-            <a:rPr lang="en-US" altLang="zh-CN" sz="1400" kern="1200" dirty="0" smtClean="0">
-              <a:solidFill>
-                <a:schemeClr val="bg1"/>
-              </a:solidFill>
-            </a:rPr>
-            <a:t>EI]</a:t>
-          </a:r>
-          <a:r>
-            <a:rPr lang="zh-CN" altLang="en-US" sz="1400" kern="1200" dirty="0" smtClean="0">
-              <a:solidFill>
-                <a:schemeClr val="bg1"/>
-              </a:solidFill>
-            </a:rPr>
-            <a:t>由于基于时延，因此需要定期采集各个交换机时延情况，所以对控制器的可用性有一定挑战</a:t>
-          </a:r>
-          <a:endParaRPr lang="en-US" sz="1400" kern="1200" dirty="0">
-            <a:solidFill>
-              <a:schemeClr val="bg1"/>
-            </a:solidFill>
-          </a:endParaRPr>
-        </a:p>
-      </dsp:txBody>
-      <dsp:txXfrm>
-        <a:off x="4328593" y="2111389"/>
-        <a:ext cx="2623390" cy="1574033"/>
-      </dsp:txXfrm>
-    </dsp:sp>
   </dsp:spTree>
 </dsp:drawing>
 </file>
@@ -9281,565 +8030,6 @@
       <dsp:cNvGrpSpPr/>
     </dsp:nvGrpSpPr>
     <dsp:grpSpPr/>
-    <dsp:sp modelId="{F71F89D4-638D-448C-B545-189392C5A2E6}">
-      <dsp:nvSpPr>
-        <dsp:cNvPr id="0" name=""/>
-        <dsp:cNvSpPr/>
-      </dsp:nvSpPr>
-      <dsp:spPr>
-        <a:xfrm>
-          <a:off x="0" y="824257"/>
-          <a:ext cx="2553874" cy="1532325"/>
-        </a:xfrm>
-        <a:prstGeom prst="rect">
-          <a:avLst/>
-        </a:prstGeom>
-        <a:solidFill>
-          <a:schemeClr val="accent2">
-            <a:lumMod val="60000"/>
-            <a:lumOff val="40000"/>
-          </a:schemeClr>
-        </a:solidFill>
-        <a:ln w="38100" cap="flat" cmpd="sng" algn="ctr">
-          <a:solidFill>
-            <a:schemeClr val="lt1">
-              <a:hueOff val="0"/>
-              <a:satOff val="0"/>
-              <a:lumOff val="0"/>
-              <a:alphaOff val="0"/>
-            </a:schemeClr>
-          </a:solidFill>
-          <a:prstDash val="solid"/>
-        </a:ln>
-        <a:effectLst/>
-      </dsp:spPr>
-      <dsp:style>
-        <a:lnRef idx="2">
-          <a:scrgbClr r="0" g="0" b="0"/>
-        </a:lnRef>
-        <a:fillRef idx="1">
-          <a:scrgbClr r="0" g="0" b="0"/>
-        </a:fillRef>
-        <a:effectRef idx="0">
-          <a:scrgbClr r="0" g="0" b="0"/>
-        </a:effectRef>
-        <a:fontRef idx="minor">
-          <a:schemeClr val="lt1"/>
-        </a:fontRef>
-      </dsp:style>
-      <dsp:txBody>
-        <a:bodyPr spcFirstLastPara="0" vert="horz" wrap="square" lIns="45720" tIns="45720" rIns="45720" bIns="45720" numCol="1" spcCol="1270" anchor="ctr" anchorCtr="0">
-          <a:noAutofit/>
-        </a:bodyPr>
-        <a:lstStyle/>
-        <a:p>
-          <a:pPr lvl="0" algn="just" defTabSz="533400">
-            <a:lnSpc>
-              <a:spcPct val="90000"/>
-            </a:lnSpc>
-            <a:spcBef>
-              <a:spcPct val="0"/>
-            </a:spcBef>
-            <a:spcAft>
-              <a:spcPct val="35000"/>
-            </a:spcAft>
-          </a:pPr>
-          <a:r>
-            <a:rPr lang="zh-CN" altLang="en-US" sz="1200" kern="1200" dirty="0" smtClean="0">
-              <a:solidFill>
-                <a:schemeClr val="bg1"/>
-              </a:solidFill>
-              <a:latin typeface="+mn-ea"/>
-            </a:rPr>
-            <a:t>腾讯游戏云开放控制平面允许第三方开发者应用部署，开放了北向接口，给平台带来了风险。</a:t>
-          </a:r>
-          <a:endParaRPr lang="en-US" sz="1200" kern="1200" dirty="0"/>
-        </a:p>
-      </dsp:txBody>
-      <dsp:txXfrm>
-        <a:off x="0" y="824257"/>
-        <a:ext cx="2553874" cy="1532325"/>
-      </dsp:txXfrm>
-    </dsp:sp>
-    <dsp:sp modelId="{DC9A1480-D773-4719-8DCE-B9697A07C528}">
-      <dsp:nvSpPr>
-        <dsp:cNvPr id="0" name=""/>
-        <dsp:cNvSpPr/>
-      </dsp:nvSpPr>
-      <dsp:spPr>
-        <a:xfrm>
-          <a:off x="2809262" y="824257"/>
-          <a:ext cx="2553874" cy="1532325"/>
-        </a:xfrm>
-        <a:prstGeom prst="rect">
-          <a:avLst/>
-        </a:prstGeom>
-        <a:solidFill>
-          <a:schemeClr val="accent3">
-            <a:lumMod val="40000"/>
-            <a:lumOff val="60000"/>
-          </a:schemeClr>
-        </a:solidFill>
-        <a:ln w="38100" cap="flat" cmpd="sng" algn="ctr">
-          <a:solidFill>
-            <a:schemeClr val="lt1">
-              <a:hueOff val="0"/>
-              <a:satOff val="0"/>
-              <a:lumOff val="0"/>
-              <a:alphaOff val="0"/>
-            </a:schemeClr>
-          </a:solidFill>
-          <a:prstDash val="solid"/>
-        </a:ln>
-        <a:effectLst/>
-      </dsp:spPr>
-      <dsp:style>
-        <a:lnRef idx="2">
-          <a:scrgbClr r="0" g="0" b="0"/>
-        </a:lnRef>
-        <a:fillRef idx="1">
-          <a:scrgbClr r="0" g="0" b="0"/>
-        </a:fillRef>
-        <a:effectRef idx="0">
-          <a:scrgbClr r="0" g="0" b="0"/>
-        </a:effectRef>
-        <a:fontRef idx="minor">
-          <a:schemeClr val="lt1"/>
-        </a:fontRef>
-      </dsp:style>
-      <dsp:txBody>
-        <a:bodyPr spcFirstLastPara="0" vert="horz" wrap="square" lIns="45720" tIns="45720" rIns="45720" bIns="45720" numCol="1" spcCol="1270" anchor="ctr" anchorCtr="0">
-          <a:noAutofit/>
-        </a:bodyPr>
-        <a:lstStyle/>
-        <a:p>
-          <a:pPr lvl="0" algn="just" defTabSz="533400">
-            <a:lnSpc>
-              <a:spcPct val="90000"/>
-            </a:lnSpc>
-            <a:spcBef>
-              <a:spcPct val="0"/>
-            </a:spcBef>
-            <a:spcAft>
-              <a:spcPct val="35000"/>
-            </a:spcAft>
-          </a:pPr>
-          <a:r>
-            <a:rPr lang="en-US" sz="1200" kern="1200" dirty="0" smtClean="0">
-              <a:solidFill>
-                <a:schemeClr val="bg1"/>
-              </a:solidFill>
-            </a:rPr>
-            <a:t>H3C</a:t>
-          </a:r>
-          <a:r>
-            <a:rPr lang="zh-CN" altLang="en-US" sz="1200" kern="1200" dirty="0" smtClean="0">
-              <a:solidFill>
-                <a:schemeClr val="bg1"/>
-              </a:solidFill>
-            </a:rPr>
-            <a:t>和</a:t>
-          </a:r>
-          <a:r>
-            <a:rPr lang="en-US" altLang="zh-CN" sz="1200" kern="1200" dirty="0" smtClean="0">
-              <a:solidFill>
-                <a:schemeClr val="bg1"/>
-              </a:solidFill>
-            </a:rPr>
-            <a:t>HUAWEI</a:t>
-          </a:r>
-          <a:r>
-            <a:rPr lang="zh-CN" altLang="en-US" sz="1200" kern="1200" dirty="0" smtClean="0">
-              <a:solidFill>
-                <a:schemeClr val="bg1"/>
-              </a:solidFill>
-            </a:rPr>
-            <a:t>的控制器中的策略编排模块（层）即为北向应用下发的策略进行预处理合理编排下发</a:t>
-          </a:r>
-          <a:endParaRPr lang="en-US" sz="1200" kern="1200" dirty="0">
-            <a:solidFill>
-              <a:schemeClr val="bg1"/>
-            </a:solidFill>
-          </a:endParaRPr>
-        </a:p>
-      </dsp:txBody>
-      <dsp:txXfrm>
-        <a:off x="2809262" y="824257"/>
-        <a:ext cx="2553874" cy="1532325"/>
-      </dsp:txXfrm>
-    </dsp:sp>
-    <dsp:sp modelId="{DE801773-82C2-4CF2-AEF0-F05901702727}">
-      <dsp:nvSpPr>
-        <dsp:cNvPr id="0" name=""/>
-        <dsp:cNvSpPr/>
-      </dsp:nvSpPr>
-      <dsp:spPr>
-        <a:xfrm>
-          <a:off x="5618525" y="824257"/>
-          <a:ext cx="2553874" cy="1532325"/>
-        </a:xfrm>
-        <a:prstGeom prst="rect">
-          <a:avLst/>
-        </a:prstGeom>
-        <a:solidFill>
-          <a:schemeClr val="accent4">
-            <a:lumMod val="60000"/>
-            <a:lumOff val="40000"/>
-          </a:schemeClr>
-        </a:solidFill>
-        <a:ln w="38100" cap="flat" cmpd="sng" algn="ctr">
-          <a:solidFill>
-            <a:schemeClr val="lt1">
-              <a:hueOff val="0"/>
-              <a:satOff val="0"/>
-              <a:lumOff val="0"/>
-              <a:alphaOff val="0"/>
-            </a:schemeClr>
-          </a:solidFill>
-          <a:prstDash val="solid"/>
-        </a:ln>
-        <a:effectLst/>
-      </dsp:spPr>
-      <dsp:style>
-        <a:lnRef idx="2">
-          <a:scrgbClr r="0" g="0" b="0"/>
-        </a:lnRef>
-        <a:fillRef idx="1">
-          <a:scrgbClr r="0" g="0" b="0"/>
-        </a:fillRef>
-        <a:effectRef idx="0">
-          <a:scrgbClr r="0" g="0" b="0"/>
-        </a:effectRef>
-        <a:fontRef idx="minor">
-          <a:schemeClr val="lt1"/>
-        </a:fontRef>
-      </dsp:style>
-      <dsp:txBody>
-        <a:bodyPr spcFirstLastPara="0" vert="horz" wrap="square" lIns="45720" tIns="45720" rIns="45720" bIns="45720" numCol="1" spcCol="1270" anchor="ctr" anchorCtr="0">
-          <a:noAutofit/>
-        </a:bodyPr>
-        <a:lstStyle/>
-        <a:p>
-          <a:pPr lvl="0" algn="just" defTabSz="533400">
-            <a:lnSpc>
-              <a:spcPct val="90000"/>
-            </a:lnSpc>
-            <a:spcBef>
-              <a:spcPct val="0"/>
-            </a:spcBef>
-            <a:spcAft>
-              <a:spcPct val="35000"/>
-            </a:spcAft>
-          </a:pPr>
-          <a:r>
-            <a:rPr lang="zh-CN" altLang="en-US" sz="1200" kern="1200" dirty="0" smtClean="0">
-              <a:solidFill>
-                <a:schemeClr val="bg1"/>
-              </a:solidFill>
-              <a:latin typeface="+mn-ea"/>
-            </a:rPr>
-            <a:t>开源控制器</a:t>
-          </a:r>
-          <a:r>
-            <a:rPr lang="en-US" altLang="zh-CN" sz="1200" kern="1200" dirty="0" smtClean="0">
-              <a:solidFill>
-                <a:schemeClr val="bg1"/>
-              </a:solidFill>
-              <a:latin typeface="+mn-lt"/>
-            </a:rPr>
-            <a:t>Ryu</a:t>
-          </a:r>
-          <a:r>
-            <a:rPr lang="zh-CN" altLang="en-US" sz="1200" kern="1200" dirty="0" smtClean="0">
-              <a:solidFill>
-                <a:schemeClr val="bg1"/>
-              </a:solidFill>
-              <a:latin typeface="+mn-ea"/>
-            </a:rPr>
-            <a:t>中控制平面和数据平面缺乏有效的认证手段，他们之间策略以明文传输。</a:t>
-          </a:r>
-          <a:endParaRPr lang="en-US" sz="1200" kern="1200" dirty="0"/>
-        </a:p>
-      </dsp:txBody>
-      <dsp:txXfrm>
-        <a:off x="5618525" y="824257"/>
-        <a:ext cx="2553874" cy="1532325"/>
-      </dsp:txXfrm>
-    </dsp:sp>
-    <dsp:sp modelId="{A9BE6ED4-08BE-48AF-A41F-59F1DEB16FA5}">
-      <dsp:nvSpPr>
-        <dsp:cNvPr id="0" name=""/>
-        <dsp:cNvSpPr/>
-      </dsp:nvSpPr>
-      <dsp:spPr>
-        <a:xfrm>
-          <a:off x="1404631" y="2611969"/>
-          <a:ext cx="2553874" cy="1532325"/>
-        </a:xfrm>
-        <a:prstGeom prst="rect">
-          <a:avLst/>
-        </a:prstGeom>
-        <a:solidFill>
-          <a:schemeClr val="accent5">
-            <a:lumMod val="40000"/>
-            <a:lumOff val="60000"/>
-          </a:schemeClr>
-        </a:solidFill>
-        <a:ln w="38100" cap="flat" cmpd="sng" algn="ctr">
-          <a:solidFill>
-            <a:schemeClr val="lt1">
-              <a:hueOff val="0"/>
-              <a:satOff val="0"/>
-              <a:lumOff val="0"/>
-              <a:alphaOff val="0"/>
-            </a:schemeClr>
-          </a:solidFill>
-          <a:prstDash val="solid"/>
-        </a:ln>
-        <a:effectLst/>
-      </dsp:spPr>
-      <dsp:style>
-        <a:lnRef idx="2">
-          <a:scrgbClr r="0" g="0" b="0"/>
-        </a:lnRef>
-        <a:fillRef idx="1">
-          <a:scrgbClr r="0" g="0" b="0"/>
-        </a:fillRef>
-        <a:effectRef idx="0">
-          <a:scrgbClr r="0" g="0" b="0"/>
-        </a:effectRef>
-        <a:fontRef idx="minor">
-          <a:schemeClr val="lt1"/>
-        </a:fontRef>
-      </dsp:style>
-      <dsp:txBody>
-        <a:bodyPr spcFirstLastPara="0" vert="horz" wrap="square" lIns="45720" tIns="45720" rIns="45720" bIns="45720" numCol="1" spcCol="1270" anchor="ctr" anchorCtr="0">
-          <a:noAutofit/>
-        </a:bodyPr>
-        <a:lstStyle/>
-        <a:p>
-          <a:pPr lvl="0" algn="just" defTabSz="533400">
-            <a:lnSpc>
-              <a:spcPct val="90000"/>
-            </a:lnSpc>
-            <a:spcBef>
-              <a:spcPct val="0"/>
-            </a:spcBef>
-            <a:spcAft>
-              <a:spcPct val="35000"/>
-            </a:spcAft>
-          </a:pPr>
-          <a:r>
-            <a:rPr lang="zh-CN" altLang="en-US" sz="1200" kern="1200" dirty="0" smtClean="0">
-              <a:solidFill>
-                <a:schemeClr val="bg1"/>
-              </a:solidFill>
-            </a:rPr>
-            <a:t>思科提出的</a:t>
-          </a:r>
-          <a:r>
-            <a:rPr lang="en-US" altLang="zh-CN" sz="1200" kern="1200" dirty="0" smtClean="0">
-              <a:solidFill>
-                <a:schemeClr val="bg1"/>
-              </a:solidFill>
-            </a:rPr>
-            <a:t>SDN</a:t>
-          </a:r>
-          <a:r>
-            <a:rPr lang="zh-CN" altLang="en-US" sz="1200" kern="1200" dirty="0" smtClean="0">
-              <a:solidFill>
-                <a:schemeClr val="bg1"/>
-              </a:solidFill>
-            </a:rPr>
-            <a:t>架构</a:t>
-          </a:r>
-          <a:r>
-            <a:rPr lang="en-US" altLang="zh-CN" sz="1200" kern="1200" dirty="0" smtClean="0">
-              <a:solidFill>
-                <a:schemeClr val="bg1"/>
-              </a:solidFill>
-            </a:rPr>
-            <a:t>ACI</a:t>
-          </a:r>
-          <a:r>
-            <a:rPr lang="zh-CN" altLang="en-US" sz="1200" kern="1200" dirty="0" smtClean="0">
-              <a:solidFill>
-                <a:schemeClr val="bg1"/>
-              </a:solidFill>
-            </a:rPr>
-            <a:t>中通过一致性策略驱动自动化实现多个数据中心间设备迁移和热备份时的策略一致性</a:t>
-          </a:r>
-          <a:endParaRPr lang="en-US" sz="1200" kern="1200" dirty="0">
-            <a:solidFill>
-              <a:schemeClr val="bg1"/>
-            </a:solidFill>
-          </a:endParaRPr>
-        </a:p>
-      </dsp:txBody>
-      <dsp:txXfrm>
-        <a:off x="1404631" y="2611969"/>
-        <a:ext cx="2553874" cy="1532325"/>
-      </dsp:txXfrm>
-    </dsp:sp>
-    <dsp:sp modelId="{8C59A4CF-352C-4423-B7AE-830ED220ABCD}">
-      <dsp:nvSpPr>
-        <dsp:cNvPr id="0" name=""/>
-        <dsp:cNvSpPr/>
-      </dsp:nvSpPr>
-      <dsp:spPr>
-        <a:xfrm>
-          <a:off x="4213893" y="2611969"/>
-          <a:ext cx="2553874" cy="1532325"/>
-        </a:xfrm>
-        <a:prstGeom prst="rect">
-          <a:avLst/>
-        </a:prstGeom>
-        <a:solidFill>
-          <a:schemeClr val="accent6">
-            <a:lumMod val="40000"/>
-            <a:lumOff val="60000"/>
-          </a:schemeClr>
-        </a:solidFill>
-        <a:ln w="38100" cap="flat" cmpd="sng" algn="ctr">
-          <a:solidFill>
-            <a:schemeClr val="lt1">
-              <a:hueOff val="0"/>
-              <a:satOff val="0"/>
-              <a:lumOff val="0"/>
-              <a:alphaOff val="0"/>
-            </a:schemeClr>
-          </a:solidFill>
-          <a:prstDash val="solid"/>
-        </a:ln>
-        <a:effectLst/>
-      </dsp:spPr>
-      <dsp:style>
-        <a:lnRef idx="2">
-          <a:scrgbClr r="0" g="0" b="0"/>
-        </a:lnRef>
-        <a:fillRef idx="1">
-          <a:scrgbClr r="0" g="0" b="0"/>
-        </a:fillRef>
-        <a:effectRef idx="0">
-          <a:scrgbClr r="0" g="0" b="0"/>
-        </a:effectRef>
-        <a:fontRef idx="minor">
-          <a:schemeClr val="lt1"/>
-        </a:fontRef>
-      </dsp:style>
-      <dsp:txBody>
-        <a:bodyPr spcFirstLastPara="0" vert="horz" wrap="square" lIns="45720" tIns="45720" rIns="45720" bIns="45720" numCol="1" spcCol="1270" anchor="ctr" anchorCtr="0">
-          <a:noAutofit/>
-        </a:bodyPr>
-        <a:lstStyle/>
-        <a:p>
-          <a:pPr lvl="0" algn="just" defTabSz="533400">
-            <a:lnSpc>
-              <a:spcPct val="90000"/>
-            </a:lnSpc>
-            <a:spcBef>
-              <a:spcPct val="0"/>
-            </a:spcBef>
-            <a:spcAft>
-              <a:spcPct val="35000"/>
-            </a:spcAft>
-          </a:pPr>
-          <a:r>
-            <a:rPr lang="zh-CN" altLang="en-US" sz="1200" kern="1200" dirty="0" smtClean="0">
-              <a:solidFill>
-                <a:schemeClr val="bg1"/>
-              </a:solidFill>
-            </a:rPr>
-            <a:t>华</a:t>
-          </a:r>
-          <a:r>
-            <a:rPr lang="zh-CN" altLang="en-US" sz="1200" kern="1200" dirty="0">
-              <a:solidFill>
-                <a:schemeClr val="bg1"/>
-              </a:solidFill>
-            </a:rPr>
-            <a:t>为云数据中心安全解决方案</a:t>
-          </a:r>
-          <a:r>
-            <a:rPr lang="zh-CN" altLang="en-US" sz="1200" kern="1200" dirty="0" smtClean="0">
-              <a:solidFill>
-                <a:schemeClr val="bg1"/>
-              </a:solidFill>
-            </a:rPr>
-            <a:t>中</a:t>
-          </a:r>
-          <a:r>
-            <a:rPr lang="en-US" sz="1200" kern="1200" dirty="0" smtClean="0">
-              <a:solidFill>
-                <a:schemeClr val="bg1"/>
-              </a:solidFill>
-            </a:rPr>
-            <a:t>SDN</a:t>
-          </a:r>
-          <a:r>
-            <a:rPr lang="zh-CN" altLang="en-US" sz="1200" kern="1200" dirty="0">
-              <a:solidFill>
-                <a:schemeClr val="bg1"/>
-              </a:solidFill>
-            </a:rPr>
-            <a:t>控制器如同整个方案的大</a:t>
-          </a:r>
-          <a:r>
-            <a:rPr lang="zh-CN" altLang="en-US" sz="1200" kern="1200" dirty="0" smtClean="0">
-              <a:solidFill>
-                <a:schemeClr val="bg1"/>
-              </a:solidFill>
-            </a:rPr>
-            <a:t>脑，减少工作量和运维成本，同时管理员不需要进行特殊的配置就可以保证策略配置的一致性。</a:t>
-          </a:r>
-          <a:endParaRPr lang="en-US" altLang="en-US" sz="1200" kern="1200" dirty="0" smtClean="0">
-            <a:solidFill>
-              <a:schemeClr val="bg1"/>
-            </a:solidFill>
-          </a:endParaRPr>
-        </a:p>
-        <a:p>
-          <a:pPr lvl="0" algn="ctr" defTabSz="533400">
-            <a:lnSpc>
-              <a:spcPct val="90000"/>
-            </a:lnSpc>
-            <a:spcBef>
-              <a:spcPct val="0"/>
-            </a:spcBef>
-            <a:spcAft>
-              <a:spcPct val="35000"/>
-            </a:spcAft>
-          </a:pPr>
-          <a:endParaRPr lang="en-US" altLang="en-US" sz="1200" kern="1200" dirty="0" smtClean="0">
-            <a:solidFill>
-              <a:schemeClr val="bg1"/>
-            </a:solidFill>
-          </a:endParaRPr>
-        </a:p>
-        <a:p>
-          <a:pPr lvl="0" algn="ctr" defTabSz="533400">
-            <a:lnSpc>
-              <a:spcPct val="90000"/>
-            </a:lnSpc>
-            <a:spcBef>
-              <a:spcPct val="0"/>
-            </a:spcBef>
-            <a:spcAft>
-              <a:spcPct val="35000"/>
-            </a:spcAft>
-          </a:pPr>
-          <a:endParaRPr lang="en-US" sz="1200" kern="1200" dirty="0">
-            <a:solidFill>
-              <a:schemeClr val="bg1"/>
-            </a:solidFill>
-          </a:endParaRPr>
-        </a:p>
-      </dsp:txBody>
-      <dsp:txXfrm>
-        <a:off x="4213893" y="2611969"/>
-        <a:ext cx="2553874" cy="1532325"/>
-      </dsp:txXfrm>
-    </dsp:sp>
   </dsp:spTree>
 </dsp:drawing>
 </file>
@@ -9852,588 +8042,6 @@
       <dsp:cNvGrpSpPr/>
     </dsp:nvGrpSpPr>
     <dsp:grpSpPr/>
-    <dsp:sp modelId="{75F39D85-F035-47E9-823A-A6DDE2D5D5C6}">
-      <dsp:nvSpPr>
-        <dsp:cNvPr id="0" name=""/>
-        <dsp:cNvSpPr/>
-      </dsp:nvSpPr>
-      <dsp:spPr>
-        <a:xfrm>
-          <a:off x="-4594335" y="-704407"/>
-          <a:ext cx="5472816" cy="5472816"/>
-        </a:xfrm>
-        <a:prstGeom prst="blockArc">
-          <a:avLst>
-            <a:gd name="adj1" fmla="val 18900000"/>
-            <a:gd name="adj2" fmla="val 2700000"/>
-            <a:gd name="adj3" fmla="val 395"/>
-          </a:avLst>
-        </a:prstGeom>
-        <a:noFill/>
-        <a:ln w="38100" cap="flat" cmpd="sng" algn="ctr">
-          <a:solidFill>
-            <a:schemeClr val="accent1">
-              <a:shade val="60000"/>
-              <a:hueOff val="0"/>
-              <a:satOff val="0"/>
-              <a:lumOff val="0"/>
-              <a:alphaOff val="0"/>
-            </a:schemeClr>
-          </a:solidFill>
-          <a:prstDash val="solid"/>
-        </a:ln>
-        <a:effectLst/>
-      </dsp:spPr>
-      <dsp:style>
-        <a:lnRef idx="2">
-          <a:scrgbClr r="0" g="0" b="0"/>
-        </a:lnRef>
-        <a:fillRef idx="0">
-          <a:scrgbClr r="0" g="0" b="0"/>
-        </a:fillRef>
-        <a:effectRef idx="0">
-          <a:scrgbClr r="0" g="0" b="0"/>
-        </a:effectRef>
-        <a:fontRef idx="minor"/>
-      </dsp:style>
-    </dsp:sp>
-    <dsp:sp modelId="{245A76EB-F826-48CE-A515-3F8D582C5BA3}">
-      <dsp:nvSpPr>
-        <dsp:cNvPr id="0" name=""/>
-        <dsp:cNvSpPr/>
-      </dsp:nvSpPr>
-      <dsp:spPr>
-        <a:xfrm>
-          <a:off x="460128" y="312440"/>
-          <a:ext cx="5580684" cy="625205"/>
-        </a:xfrm>
-        <a:prstGeom prst="rect">
-          <a:avLst/>
-        </a:prstGeom>
-        <a:solidFill>
-          <a:schemeClr val="accent1">
-            <a:hueOff val="0"/>
-            <a:satOff val="0"/>
-            <a:lumOff val="0"/>
-            <a:alphaOff val="0"/>
-          </a:schemeClr>
-        </a:solidFill>
-        <a:ln w="38100" cap="flat" cmpd="sng" algn="ctr">
-          <a:solidFill>
-            <a:schemeClr val="lt1">
-              <a:hueOff val="0"/>
-              <a:satOff val="0"/>
-              <a:lumOff val="0"/>
-              <a:alphaOff val="0"/>
-            </a:schemeClr>
-          </a:solidFill>
-          <a:prstDash val="solid"/>
-        </a:ln>
-        <a:effectLst/>
-      </dsp:spPr>
-      <dsp:style>
-        <a:lnRef idx="2">
-          <a:scrgbClr r="0" g="0" b="0"/>
-        </a:lnRef>
-        <a:fillRef idx="1">
-          <a:scrgbClr r="0" g="0" b="0"/>
-        </a:fillRef>
-        <a:effectRef idx="0">
-          <a:scrgbClr r="0" g="0" b="0"/>
-        </a:effectRef>
-        <a:fontRef idx="minor">
-          <a:schemeClr val="lt1"/>
-        </a:fontRef>
-      </dsp:style>
-      <dsp:txBody>
-        <a:bodyPr spcFirstLastPara="0" vert="horz" wrap="square" lIns="496257" tIns="60960" rIns="60960" bIns="60960" numCol="1" spcCol="1270" anchor="ctr" anchorCtr="0">
-          <a:noAutofit/>
-        </a:bodyPr>
-        <a:lstStyle/>
-        <a:p>
-          <a:pPr lvl="0" algn="l" defTabSz="1066800">
-            <a:lnSpc>
-              <a:spcPct val="90000"/>
-            </a:lnSpc>
-            <a:spcBef>
-              <a:spcPct val="0"/>
-            </a:spcBef>
-            <a:spcAft>
-              <a:spcPct val="35000"/>
-            </a:spcAft>
-          </a:pPr>
-          <a:r>
-            <a:rPr lang="zh-CN" altLang="en-US" sz="2400" kern="1200" dirty="0" smtClean="0">
-              <a:solidFill>
-                <a:schemeClr val="tx1"/>
-              </a:solidFill>
-            </a:rPr>
-            <a:t>研究背</a:t>
-          </a:r>
-          <a:r>
-            <a:rPr lang="zh-CN" altLang="en-US" sz="2400" kern="1200" dirty="0">
-              <a:solidFill>
-                <a:schemeClr val="tx1"/>
-              </a:solidFill>
-            </a:rPr>
-            <a:t>景</a:t>
-          </a:r>
-        </a:p>
-      </dsp:txBody>
-      <dsp:txXfrm>
-        <a:off x="460128" y="312440"/>
-        <a:ext cx="5580684" cy="625205"/>
-      </dsp:txXfrm>
-    </dsp:sp>
-    <dsp:sp modelId="{D3A6061C-F249-40EB-9438-8C8719118ED1}">
-      <dsp:nvSpPr>
-        <dsp:cNvPr id="0" name=""/>
-        <dsp:cNvSpPr/>
-      </dsp:nvSpPr>
-      <dsp:spPr>
-        <a:xfrm>
-          <a:off x="69375" y="234289"/>
-          <a:ext cx="781507" cy="781507"/>
-        </a:xfrm>
-        <a:prstGeom prst="ellipse">
-          <a:avLst/>
-        </a:prstGeom>
-        <a:solidFill>
-          <a:schemeClr val="lt1">
-            <a:hueOff val="0"/>
-            <a:satOff val="0"/>
-            <a:lumOff val="0"/>
-            <a:alphaOff val="0"/>
-          </a:schemeClr>
-        </a:solidFill>
-        <a:ln w="38100" cap="flat" cmpd="sng" algn="ctr">
-          <a:solidFill>
-            <a:schemeClr val="accent1">
-              <a:hueOff val="0"/>
-              <a:satOff val="0"/>
-              <a:lumOff val="0"/>
-              <a:alphaOff val="0"/>
-            </a:schemeClr>
-          </a:solidFill>
-          <a:prstDash val="solid"/>
-        </a:ln>
-        <a:effectLst/>
-      </dsp:spPr>
-      <dsp:style>
-        <a:lnRef idx="2">
-          <a:scrgbClr r="0" g="0" b="0"/>
-        </a:lnRef>
-        <a:fillRef idx="1">
-          <a:scrgbClr r="0" g="0" b="0"/>
-        </a:fillRef>
-        <a:effectRef idx="0">
-          <a:scrgbClr r="0" g="0" b="0"/>
-        </a:effectRef>
-        <a:fontRef idx="minor"/>
-      </dsp:style>
-    </dsp:sp>
-    <dsp:sp modelId="{8FCDFD85-93E8-4C18-ABB3-2E42CF101A95}">
-      <dsp:nvSpPr>
-        <dsp:cNvPr id="0" name=""/>
-        <dsp:cNvSpPr/>
-      </dsp:nvSpPr>
-      <dsp:spPr>
-        <a:xfrm>
-          <a:off x="818573" y="1250411"/>
-          <a:ext cx="5222240" cy="625205"/>
-        </a:xfrm>
-        <a:prstGeom prst="rect">
-          <a:avLst/>
-        </a:prstGeom>
-        <a:solidFill>
-          <a:schemeClr val="accent1">
-            <a:hueOff val="0"/>
-            <a:satOff val="0"/>
-            <a:lumOff val="0"/>
-            <a:alphaOff val="0"/>
-          </a:schemeClr>
-        </a:solidFill>
-        <a:ln w="38100" cap="flat" cmpd="sng" algn="ctr">
-          <a:solidFill>
-            <a:schemeClr val="lt1">
-              <a:hueOff val="0"/>
-              <a:satOff val="0"/>
-              <a:lumOff val="0"/>
-              <a:alphaOff val="0"/>
-            </a:schemeClr>
-          </a:solidFill>
-          <a:prstDash val="solid"/>
-        </a:ln>
-        <a:effectLst/>
-      </dsp:spPr>
-      <dsp:style>
-        <a:lnRef idx="2">
-          <a:scrgbClr r="0" g="0" b="0"/>
-        </a:lnRef>
-        <a:fillRef idx="1">
-          <a:scrgbClr r="0" g="0" b="0"/>
-        </a:fillRef>
-        <a:effectRef idx="0">
-          <a:scrgbClr r="0" g="0" b="0"/>
-        </a:effectRef>
-        <a:fontRef idx="minor">
-          <a:schemeClr val="lt1"/>
-        </a:fontRef>
-      </dsp:style>
-      <dsp:txBody>
-        <a:bodyPr spcFirstLastPara="0" vert="horz" wrap="square" lIns="496257" tIns="60960" rIns="60960" bIns="60960" numCol="1" spcCol="1270" anchor="ctr" anchorCtr="0">
-          <a:noAutofit/>
-        </a:bodyPr>
-        <a:lstStyle/>
-        <a:p>
-          <a:pPr lvl="0" algn="l" defTabSz="1066800">
-            <a:lnSpc>
-              <a:spcPct val="90000"/>
-            </a:lnSpc>
-            <a:spcBef>
-              <a:spcPct val="0"/>
-            </a:spcBef>
-            <a:spcAft>
-              <a:spcPct val="35000"/>
-            </a:spcAft>
-          </a:pPr>
-          <a:r>
-            <a:rPr lang="zh-CN" altLang="en-US" sz="2400" kern="1200" dirty="0">
-              <a:solidFill>
-                <a:schemeClr val="tx1"/>
-              </a:solidFill>
-            </a:rPr>
-            <a:t>研究现</a:t>
-          </a:r>
-          <a:r>
-            <a:rPr lang="zh-CN" altLang="en-US" sz="2400" kern="1200" dirty="0" smtClean="0">
-              <a:solidFill>
-                <a:schemeClr val="tx1"/>
-              </a:solidFill>
-            </a:rPr>
-            <a:t>状</a:t>
-          </a:r>
-          <a:endParaRPr lang="zh-CN" altLang="en-US" sz="2400" kern="1200" dirty="0">
-            <a:solidFill>
-              <a:schemeClr val="tx1"/>
-            </a:solidFill>
-          </a:endParaRPr>
-        </a:p>
-      </dsp:txBody>
-      <dsp:txXfrm>
-        <a:off x="818573" y="1250411"/>
-        <a:ext cx="5222240" cy="625205"/>
-      </dsp:txXfrm>
-    </dsp:sp>
-    <dsp:sp modelId="{DDE60330-49C0-43B6-8EDF-D69E2FBF1FFE}">
-      <dsp:nvSpPr>
-        <dsp:cNvPr id="0" name=""/>
-        <dsp:cNvSpPr/>
-      </dsp:nvSpPr>
-      <dsp:spPr>
-        <a:xfrm>
-          <a:off x="427819" y="1172260"/>
-          <a:ext cx="781507" cy="781507"/>
-        </a:xfrm>
-        <a:prstGeom prst="ellipse">
-          <a:avLst/>
-        </a:prstGeom>
-        <a:solidFill>
-          <a:schemeClr val="lt1">
-            <a:hueOff val="0"/>
-            <a:satOff val="0"/>
-            <a:lumOff val="0"/>
-            <a:alphaOff val="0"/>
-          </a:schemeClr>
-        </a:solidFill>
-        <a:ln w="38100" cap="flat" cmpd="sng" algn="ctr">
-          <a:solidFill>
-            <a:schemeClr val="accent1">
-              <a:hueOff val="0"/>
-              <a:satOff val="0"/>
-              <a:lumOff val="0"/>
-              <a:alphaOff val="0"/>
-            </a:schemeClr>
-          </a:solidFill>
-          <a:prstDash val="solid"/>
-        </a:ln>
-        <a:effectLst/>
-      </dsp:spPr>
-      <dsp:style>
-        <a:lnRef idx="2">
-          <a:scrgbClr r="0" g="0" b="0"/>
-        </a:lnRef>
-        <a:fillRef idx="1">
-          <a:scrgbClr r="0" g="0" b="0"/>
-        </a:fillRef>
-        <a:effectRef idx="0">
-          <a:scrgbClr r="0" g="0" b="0"/>
-        </a:effectRef>
-        <a:fontRef idx="minor"/>
-      </dsp:style>
-    </dsp:sp>
-    <dsp:sp modelId="{F3E05BCE-045C-448A-937C-570707F281FC}">
-      <dsp:nvSpPr>
-        <dsp:cNvPr id="0" name=""/>
-        <dsp:cNvSpPr/>
-      </dsp:nvSpPr>
-      <dsp:spPr>
-        <a:xfrm>
-          <a:off x="818573" y="2188382"/>
-          <a:ext cx="5222240" cy="625205"/>
-        </a:xfrm>
-        <a:prstGeom prst="rect">
-          <a:avLst/>
-        </a:prstGeom>
-        <a:solidFill>
-          <a:schemeClr val="accent1">
-            <a:hueOff val="0"/>
-            <a:satOff val="0"/>
-            <a:lumOff val="0"/>
-            <a:alphaOff val="0"/>
-          </a:schemeClr>
-        </a:solidFill>
-        <a:ln w="38100" cap="flat" cmpd="sng" algn="ctr">
-          <a:solidFill>
-            <a:schemeClr val="lt1">
-              <a:hueOff val="0"/>
-              <a:satOff val="0"/>
-              <a:lumOff val="0"/>
-              <a:alphaOff val="0"/>
-            </a:schemeClr>
-          </a:solidFill>
-          <a:prstDash val="solid"/>
-        </a:ln>
-        <a:effectLst/>
-      </dsp:spPr>
-      <dsp:style>
-        <a:lnRef idx="2">
-          <a:scrgbClr r="0" g="0" b="0"/>
-        </a:lnRef>
-        <a:fillRef idx="1">
-          <a:scrgbClr r="0" g="0" b="0"/>
-        </a:fillRef>
-        <a:effectRef idx="0">
-          <a:scrgbClr r="0" g="0" b="0"/>
-        </a:effectRef>
-        <a:fontRef idx="minor">
-          <a:schemeClr val="lt1"/>
-        </a:fontRef>
-      </dsp:style>
-      <dsp:txBody>
-        <a:bodyPr spcFirstLastPara="0" vert="horz" wrap="square" lIns="496257" tIns="60960" rIns="60960" bIns="60960" numCol="1" spcCol="1270" anchor="ctr" anchorCtr="0">
-          <a:noAutofit/>
-        </a:bodyPr>
-        <a:lstStyle/>
-        <a:p>
-          <a:pPr lvl="0" algn="l" defTabSz="1066800">
-            <a:lnSpc>
-              <a:spcPct val="90000"/>
-            </a:lnSpc>
-            <a:spcBef>
-              <a:spcPct val="0"/>
-            </a:spcBef>
-            <a:spcAft>
-              <a:spcPct val="35000"/>
-            </a:spcAft>
-          </a:pPr>
-          <a:r>
-            <a:rPr lang="zh-CN" altLang="en-US" sz="2400" kern="1200" dirty="0" smtClean="0">
-              <a:solidFill>
-                <a:schemeClr val="bg1"/>
-              </a:solidFill>
-            </a:rPr>
-            <a:t>研究内容和技</a:t>
-          </a:r>
-          <a:r>
-            <a:rPr lang="zh-CN" altLang="en-US" sz="2400" kern="1200" dirty="0">
-              <a:solidFill>
-                <a:schemeClr val="bg1"/>
-              </a:solidFill>
-            </a:rPr>
-            <a:t>术路线</a:t>
-          </a:r>
-        </a:p>
-      </dsp:txBody>
-      <dsp:txXfrm>
-        <a:off x="818573" y="2188382"/>
-        <a:ext cx="5222240" cy="625205"/>
-      </dsp:txXfrm>
-    </dsp:sp>
-    <dsp:sp modelId="{9A8567D1-6B86-4A05-855A-934F480C3D6B}">
-      <dsp:nvSpPr>
-        <dsp:cNvPr id="0" name=""/>
-        <dsp:cNvSpPr/>
-      </dsp:nvSpPr>
-      <dsp:spPr>
-        <a:xfrm>
-          <a:off x="427819" y="2110232"/>
-          <a:ext cx="781507" cy="781507"/>
-        </a:xfrm>
-        <a:prstGeom prst="ellipse">
-          <a:avLst/>
-        </a:prstGeom>
-        <a:solidFill>
-          <a:schemeClr val="lt1">
-            <a:hueOff val="0"/>
-            <a:satOff val="0"/>
-            <a:lumOff val="0"/>
-            <a:alphaOff val="0"/>
-          </a:schemeClr>
-        </a:solidFill>
-        <a:ln w="38100" cap="flat" cmpd="sng" algn="ctr">
-          <a:solidFill>
-            <a:schemeClr val="accent1">
-              <a:hueOff val="0"/>
-              <a:satOff val="0"/>
-              <a:lumOff val="0"/>
-              <a:alphaOff val="0"/>
-            </a:schemeClr>
-          </a:solidFill>
-          <a:prstDash val="solid"/>
-        </a:ln>
-        <a:effectLst/>
-      </dsp:spPr>
-      <dsp:style>
-        <a:lnRef idx="2">
-          <a:scrgbClr r="0" g="0" b="0"/>
-        </a:lnRef>
-        <a:fillRef idx="1">
-          <a:scrgbClr r="0" g="0" b="0"/>
-        </a:fillRef>
-        <a:effectRef idx="0">
-          <a:scrgbClr r="0" g="0" b="0"/>
-        </a:effectRef>
-        <a:fontRef idx="minor"/>
-      </dsp:style>
-    </dsp:sp>
-    <dsp:sp modelId="{F18979B6-F41E-40B9-B180-7FF39FEEAB4B}">
-      <dsp:nvSpPr>
-        <dsp:cNvPr id="0" name=""/>
-        <dsp:cNvSpPr/>
-      </dsp:nvSpPr>
-      <dsp:spPr>
-        <a:xfrm>
-          <a:off x="460128" y="3126353"/>
-          <a:ext cx="5580684" cy="625205"/>
-        </a:xfrm>
-        <a:prstGeom prst="rect">
-          <a:avLst/>
-        </a:prstGeom>
-        <a:solidFill>
-          <a:schemeClr val="accent1">
-            <a:hueOff val="0"/>
-            <a:satOff val="0"/>
-            <a:lumOff val="0"/>
-            <a:alphaOff val="0"/>
-          </a:schemeClr>
-        </a:solidFill>
-        <a:ln w="38100" cap="flat" cmpd="sng" algn="ctr">
-          <a:solidFill>
-            <a:schemeClr val="lt1">
-              <a:hueOff val="0"/>
-              <a:satOff val="0"/>
-              <a:lumOff val="0"/>
-              <a:alphaOff val="0"/>
-            </a:schemeClr>
-          </a:solidFill>
-          <a:prstDash val="solid"/>
-        </a:ln>
-        <a:effectLst/>
-      </dsp:spPr>
-      <dsp:style>
-        <a:lnRef idx="2">
-          <a:scrgbClr r="0" g="0" b="0"/>
-        </a:lnRef>
-        <a:fillRef idx="1">
-          <a:scrgbClr r="0" g="0" b="0"/>
-        </a:fillRef>
-        <a:effectRef idx="0">
-          <a:scrgbClr r="0" g="0" b="0"/>
-        </a:effectRef>
-        <a:fontRef idx="minor">
-          <a:schemeClr val="lt1"/>
-        </a:fontRef>
-      </dsp:style>
-      <dsp:txBody>
-        <a:bodyPr spcFirstLastPara="0" vert="horz" wrap="square" lIns="496257" tIns="60960" rIns="60960" bIns="60960" numCol="1" spcCol="1270" anchor="ctr" anchorCtr="0">
-          <a:noAutofit/>
-        </a:bodyPr>
-        <a:lstStyle/>
-        <a:p>
-          <a:pPr lvl="0" algn="l" defTabSz="1066800">
-            <a:lnSpc>
-              <a:spcPct val="90000"/>
-            </a:lnSpc>
-            <a:spcBef>
-              <a:spcPct val="0"/>
-            </a:spcBef>
-            <a:spcAft>
-              <a:spcPct val="35000"/>
-            </a:spcAft>
-          </a:pPr>
-          <a:r>
-            <a:rPr lang="zh-CN" altLang="en-US" sz="2400" kern="1200" dirty="0" smtClean="0"/>
-            <a:t>创</a:t>
-          </a:r>
-          <a:r>
-            <a:rPr lang="zh-CN" altLang="en-US" sz="2400" kern="1200" dirty="0"/>
-            <a:t>新点</a:t>
-          </a:r>
-        </a:p>
-      </dsp:txBody>
-      <dsp:txXfrm>
-        <a:off x="460128" y="3126353"/>
-        <a:ext cx="5580684" cy="625205"/>
-      </dsp:txXfrm>
-    </dsp:sp>
-    <dsp:sp modelId="{AD73187C-A028-4C74-9BB9-E2D7442E26DB}">
-      <dsp:nvSpPr>
-        <dsp:cNvPr id="0" name=""/>
-        <dsp:cNvSpPr/>
-      </dsp:nvSpPr>
-      <dsp:spPr>
-        <a:xfrm>
-          <a:off x="69375" y="3048203"/>
-          <a:ext cx="781507" cy="781507"/>
-        </a:xfrm>
-        <a:prstGeom prst="ellipse">
-          <a:avLst/>
-        </a:prstGeom>
-        <a:solidFill>
-          <a:schemeClr val="lt1">
-            <a:hueOff val="0"/>
-            <a:satOff val="0"/>
-            <a:lumOff val="0"/>
-            <a:alphaOff val="0"/>
-          </a:schemeClr>
-        </a:solidFill>
-        <a:ln w="38100" cap="flat" cmpd="sng" algn="ctr">
-          <a:solidFill>
-            <a:schemeClr val="accent1">
-              <a:hueOff val="0"/>
-              <a:satOff val="0"/>
-              <a:lumOff val="0"/>
-              <a:alphaOff val="0"/>
-            </a:schemeClr>
-          </a:solidFill>
-          <a:prstDash val="solid"/>
-        </a:ln>
-        <a:effectLst/>
-      </dsp:spPr>
-      <dsp:style>
-        <a:lnRef idx="2">
-          <a:scrgbClr r="0" g="0" b="0"/>
-        </a:lnRef>
-        <a:fillRef idx="1">
-          <a:scrgbClr r="0" g="0" b="0"/>
-        </a:fillRef>
-        <a:effectRef idx="0">
-          <a:scrgbClr r="0" g="0" b="0"/>
-        </a:effectRef>
-        <a:fontRef idx="minor"/>
-      </dsp:style>
-    </dsp:sp>
   </dsp:spTree>
 </dsp:drawing>
 </file>
@@ -10446,585 +8054,6 @@
       <dsp:cNvGrpSpPr/>
     </dsp:nvGrpSpPr>
     <dsp:grpSpPr/>
-    <dsp:sp modelId="{75F39D85-F035-47E9-823A-A6DDE2D5D5C6}">
-      <dsp:nvSpPr>
-        <dsp:cNvPr id="0" name=""/>
-        <dsp:cNvSpPr/>
-      </dsp:nvSpPr>
-      <dsp:spPr>
-        <a:xfrm>
-          <a:off x="-4594335" y="-704407"/>
-          <a:ext cx="5472816" cy="5472816"/>
-        </a:xfrm>
-        <a:prstGeom prst="blockArc">
-          <a:avLst>
-            <a:gd name="adj1" fmla="val 18900000"/>
-            <a:gd name="adj2" fmla="val 2700000"/>
-            <a:gd name="adj3" fmla="val 395"/>
-          </a:avLst>
-        </a:prstGeom>
-        <a:noFill/>
-        <a:ln w="38100" cap="flat" cmpd="sng" algn="ctr">
-          <a:solidFill>
-            <a:schemeClr val="accent1">
-              <a:shade val="60000"/>
-              <a:hueOff val="0"/>
-              <a:satOff val="0"/>
-              <a:lumOff val="0"/>
-              <a:alphaOff val="0"/>
-            </a:schemeClr>
-          </a:solidFill>
-          <a:prstDash val="solid"/>
-        </a:ln>
-        <a:effectLst/>
-      </dsp:spPr>
-      <dsp:style>
-        <a:lnRef idx="2">
-          <a:scrgbClr r="0" g="0" b="0"/>
-        </a:lnRef>
-        <a:fillRef idx="0">
-          <a:scrgbClr r="0" g="0" b="0"/>
-        </a:fillRef>
-        <a:effectRef idx="0">
-          <a:scrgbClr r="0" g="0" b="0"/>
-        </a:effectRef>
-        <a:fontRef idx="minor"/>
-      </dsp:style>
-    </dsp:sp>
-    <dsp:sp modelId="{245A76EB-F826-48CE-A515-3F8D582C5BA3}">
-      <dsp:nvSpPr>
-        <dsp:cNvPr id="0" name=""/>
-        <dsp:cNvSpPr/>
-      </dsp:nvSpPr>
-      <dsp:spPr>
-        <a:xfrm>
-          <a:off x="460128" y="312440"/>
-          <a:ext cx="5580684" cy="625205"/>
-        </a:xfrm>
-        <a:prstGeom prst="rect">
-          <a:avLst/>
-        </a:prstGeom>
-        <a:solidFill>
-          <a:schemeClr val="accent1">
-            <a:hueOff val="0"/>
-            <a:satOff val="0"/>
-            <a:lumOff val="0"/>
-            <a:alphaOff val="0"/>
-          </a:schemeClr>
-        </a:solidFill>
-        <a:ln w="38100" cap="flat" cmpd="sng" algn="ctr">
-          <a:solidFill>
-            <a:schemeClr val="lt1">
-              <a:hueOff val="0"/>
-              <a:satOff val="0"/>
-              <a:lumOff val="0"/>
-              <a:alphaOff val="0"/>
-            </a:schemeClr>
-          </a:solidFill>
-          <a:prstDash val="solid"/>
-        </a:ln>
-        <a:effectLst/>
-      </dsp:spPr>
-      <dsp:style>
-        <a:lnRef idx="2">
-          <a:scrgbClr r="0" g="0" b="0"/>
-        </a:lnRef>
-        <a:fillRef idx="1">
-          <a:scrgbClr r="0" g="0" b="0"/>
-        </a:fillRef>
-        <a:effectRef idx="0">
-          <a:scrgbClr r="0" g="0" b="0"/>
-        </a:effectRef>
-        <a:fontRef idx="minor">
-          <a:schemeClr val="lt1"/>
-        </a:fontRef>
-      </dsp:style>
-      <dsp:txBody>
-        <a:bodyPr spcFirstLastPara="0" vert="horz" wrap="square" lIns="496257" tIns="60960" rIns="60960" bIns="60960" numCol="1" spcCol="1270" anchor="ctr" anchorCtr="0">
-          <a:noAutofit/>
-        </a:bodyPr>
-        <a:lstStyle/>
-        <a:p>
-          <a:pPr lvl="0" algn="l" defTabSz="1066800">
-            <a:lnSpc>
-              <a:spcPct val="90000"/>
-            </a:lnSpc>
-            <a:spcBef>
-              <a:spcPct val="0"/>
-            </a:spcBef>
-            <a:spcAft>
-              <a:spcPct val="35000"/>
-            </a:spcAft>
-          </a:pPr>
-          <a:r>
-            <a:rPr lang="zh-CN" altLang="en-US" sz="2400" kern="1200" dirty="0" smtClean="0">
-              <a:solidFill>
-                <a:schemeClr val="tx1"/>
-              </a:solidFill>
-            </a:rPr>
-            <a:t>研究背景</a:t>
-          </a:r>
-          <a:endParaRPr lang="zh-CN" altLang="en-US" sz="2400" kern="1200" dirty="0">
-            <a:solidFill>
-              <a:schemeClr val="tx1"/>
-            </a:solidFill>
-          </a:endParaRPr>
-        </a:p>
-      </dsp:txBody>
-      <dsp:txXfrm>
-        <a:off x="460128" y="312440"/>
-        <a:ext cx="5580684" cy="625205"/>
-      </dsp:txXfrm>
-    </dsp:sp>
-    <dsp:sp modelId="{D3A6061C-F249-40EB-9438-8C8719118ED1}">
-      <dsp:nvSpPr>
-        <dsp:cNvPr id="0" name=""/>
-        <dsp:cNvSpPr/>
-      </dsp:nvSpPr>
-      <dsp:spPr>
-        <a:xfrm>
-          <a:off x="69375" y="234289"/>
-          <a:ext cx="781507" cy="781507"/>
-        </a:xfrm>
-        <a:prstGeom prst="ellipse">
-          <a:avLst/>
-        </a:prstGeom>
-        <a:solidFill>
-          <a:schemeClr val="lt1">
-            <a:hueOff val="0"/>
-            <a:satOff val="0"/>
-            <a:lumOff val="0"/>
-            <a:alphaOff val="0"/>
-          </a:schemeClr>
-        </a:solidFill>
-        <a:ln w="38100" cap="flat" cmpd="sng" algn="ctr">
-          <a:solidFill>
-            <a:schemeClr val="accent1">
-              <a:hueOff val="0"/>
-              <a:satOff val="0"/>
-              <a:lumOff val="0"/>
-              <a:alphaOff val="0"/>
-            </a:schemeClr>
-          </a:solidFill>
-          <a:prstDash val="solid"/>
-        </a:ln>
-        <a:effectLst/>
-      </dsp:spPr>
-      <dsp:style>
-        <a:lnRef idx="2">
-          <a:scrgbClr r="0" g="0" b="0"/>
-        </a:lnRef>
-        <a:fillRef idx="1">
-          <a:scrgbClr r="0" g="0" b="0"/>
-        </a:fillRef>
-        <a:effectRef idx="0">
-          <a:scrgbClr r="0" g="0" b="0"/>
-        </a:effectRef>
-        <a:fontRef idx="minor"/>
-      </dsp:style>
-    </dsp:sp>
-    <dsp:sp modelId="{8FCDFD85-93E8-4C18-ABB3-2E42CF101A95}">
-      <dsp:nvSpPr>
-        <dsp:cNvPr id="0" name=""/>
-        <dsp:cNvSpPr/>
-      </dsp:nvSpPr>
-      <dsp:spPr>
-        <a:xfrm>
-          <a:off x="818573" y="1250411"/>
-          <a:ext cx="5222240" cy="625205"/>
-        </a:xfrm>
-        <a:prstGeom prst="rect">
-          <a:avLst/>
-        </a:prstGeom>
-        <a:solidFill>
-          <a:schemeClr val="accent1">
-            <a:hueOff val="0"/>
-            <a:satOff val="0"/>
-            <a:lumOff val="0"/>
-            <a:alphaOff val="0"/>
-          </a:schemeClr>
-        </a:solidFill>
-        <a:ln w="38100" cap="flat" cmpd="sng" algn="ctr">
-          <a:solidFill>
-            <a:schemeClr val="lt1">
-              <a:hueOff val="0"/>
-              <a:satOff val="0"/>
-              <a:lumOff val="0"/>
-              <a:alphaOff val="0"/>
-            </a:schemeClr>
-          </a:solidFill>
-          <a:prstDash val="solid"/>
-        </a:ln>
-        <a:effectLst/>
-      </dsp:spPr>
-      <dsp:style>
-        <a:lnRef idx="2">
-          <a:scrgbClr r="0" g="0" b="0"/>
-        </a:lnRef>
-        <a:fillRef idx="1">
-          <a:scrgbClr r="0" g="0" b="0"/>
-        </a:fillRef>
-        <a:effectRef idx="0">
-          <a:scrgbClr r="0" g="0" b="0"/>
-        </a:effectRef>
-        <a:fontRef idx="minor">
-          <a:schemeClr val="lt1"/>
-        </a:fontRef>
-      </dsp:style>
-      <dsp:txBody>
-        <a:bodyPr spcFirstLastPara="0" vert="horz" wrap="square" lIns="496257" tIns="60960" rIns="60960" bIns="60960" numCol="1" spcCol="1270" anchor="ctr" anchorCtr="0">
-          <a:noAutofit/>
-        </a:bodyPr>
-        <a:lstStyle/>
-        <a:p>
-          <a:pPr lvl="0" algn="l" defTabSz="1066800">
-            <a:lnSpc>
-              <a:spcPct val="90000"/>
-            </a:lnSpc>
-            <a:spcBef>
-              <a:spcPct val="0"/>
-            </a:spcBef>
-            <a:spcAft>
-              <a:spcPct val="35000"/>
-            </a:spcAft>
-          </a:pPr>
-          <a:r>
-            <a:rPr lang="zh-CN" altLang="en-US" sz="2400" kern="1200" dirty="0">
-              <a:solidFill>
-                <a:schemeClr val="tx1"/>
-              </a:solidFill>
-            </a:rPr>
-            <a:t>研究现</a:t>
-          </a:r>
-          <a:r>
-            <a:rPr lang="zh-CN" altLang="en-US" sz="2400" kern="1200" dirty="0" smtClean="0">
-              <a:solidFill>
-                <a:schemeClr val="tx1"/>
-              </a:solidFill>
-            </a:rPr>
-            <a:t>状</a:t>
-          </a:r>
-          <a:endParaRPr lang="zh-CN" altLang="en-US" sz="2400" kern="1200" dirty="0">
-            <a:solidFill>
-              <a:schemeClr val="tx1"/>
-            </a:solidFill>
-          </a:endParaRPr>
-        </a:p>
-      </dsp:txBody>
-      <dsp:txXfrm>
-        <a:off x="818573" y="1250411"/>
-        <a:ext cx="5222240" cy="625205"/>
-      </dsp:txXfrm>
-    </dsp:sp>
-    <dsp:sp modelId="{DDE60330-49C0-43B6-8EDF-D69E2FBF1FFE}">
-      <dsp:nvSpPr>
-        <dsp:cNvPr id="0" name=""/>
-        <dsp:cNvSpPr/>
-      </dsp:nvSpPr>
-      <dsp:spPr>
-        <a:xfrm>
-          <a:off x="427819" y="1172260"/>
-          <a:ext cx="781507" cy="781507"/>
-        </a:xfrm>
-        <a:prstGeom prst="ellipse">
-          <a:avLst/>
-        </a:prstGeom>
-        <a:solidFill>
-          <a:schemeClr val="lt1">
-            <a:hueOff val="0"/>
-            <a:satOff val="0"/>
-            <a:lumOff val="0"/>
-            <a:alphaOff val="0"/>
-          </a:schemeClr>
-        </a:solidFill>
-        <a:ln w="38100" cap="flat" cmpd="sng" algn="ctr">
-          <a:solidFill>
-            <a:schemeClr val="accent1">
-              <a:hueOff val="0"/>
-              <a:satOff val="0"/>
-              <a:lumOff val="0"/>
-              <a:alphaOff val="0"/>
-            </a:schemeClr>
-          </a:solidFill>
-          <a:prstDash val="solid"/>
-        </a:ln>
-        <a:effectLst/>
-      </dsp:spPr>
-      <dsp:style>
-        <a:lnRef idx="2">
-          <a:scrgbClr r="0" g="0" b="0"/>
-        </a:lnRef>
-        <a:fillRef idx="1">
-          <a:scrgbClr r="0" g="0" b="0"/>
-        </a:fillRef>
-        <a:effectRef idx="0">
-          <a:scrgbClr r="0" g="0" b="0"/>
-        </a:effectRef>
-        <a:fontRef idx="minor"/>
-      </dsp:style>
-    </dsp:sp>
-    <dsp:sp modelId="{F3E05BCE-045C-448A-937C-570707F281FC}">
-      <dsp:nvSpPr>
-        <dsp:cNvPr id="0" name=""/>
-        <dsp:cNvSpPr/>
-      </dsp:nvSpPr>
-      <dsp:spPr>
-        <a:xfrm>
-          <a:off x="818573" y="2188382"/>
-          <a:ext cx="5222240" cy="625205"/>
-        </a:xfrm>
-        <a:prstGeom prst="rect">
-          <a:avLst/>
-        </a:prstGeom>
-        <a:solidFill>
-          <a:schemeClr val="accent1">
-            <a:hueOff val="0"/>
-            <a:satOff val="0"/>
-            <a:lumOff val="0"/>
-            <a:alphaOff val="0"/>
-          </a:schemeClr>
-        </a:solidFill>
-        <a:ln w="38100" cap="flat" cmpd="sng" algn="ctr">
-          <a:solidFill>
-            <a:schemeClr val="lt1">
-              <a:hueOff val="0"/>
-              <a:satOff val="0"/>
-              <a:lumOff val="0"/>
-              <a:alphaOff val="0"/>
-            </a:schemeClr>
-          </a:solidFill>
-          <a:prstDash val="solid"/>
-        </a:ln>
-        <a:effectLst/>
-      </dsp:spPr>
-      <dsp:style>
-        <a:lnRef idx="2">
-          <a:scrgbClr r="0" g="0" b="0"/>
-        </a:lnRef>
-        <a:fillRef idx="1">
-          <a:scrgbClr r="0" g="0" b="0"/>
-        </a:fillRef>
-        <a:effectRef idx="0">
-          <a:scrgbClr r="0" g="0" b="0"/>
-        </a:effectRef>
-        <a:fontRef idx="minor">
-          <a:schemeClr val="lt1"/>
-        </a:fontRef>
-      </dsp:style>
-      <dsp:txBody>
-        <a:bodyPr spcFirstLastPara="0" vert="horz" wrap="square" lIns="496257" tIns="60960" rIns="60960" bIns="60960" numCol="1" spcCol="1270" anchor="ctr" anchorCtr="0">
-          <a:noAutofit/>
-        </a:bodyPr>
-        <a:lstStyle/>
-        <a:p>
-          <a:pPr lvl="0" algn="l" defTabSz="1066800">
-            <a:lnSpc>
-              <a:spcPct val="90000"/>
-            </a:lnSpc>
-            <a:spcBef>
-              <a:spcPct val="0"/>
-            </a:spcBef>
-            <a:spcAft>
-              <a:spcPct val="35000"/>
-            </a:spcAft>
-          </a:pPr>
-          <a:r>
-            <a:rPr lang="zh-CN" altLang="en-US" sz="2400" kern="1200" dirty="0" smtClean="0"/>
-            <a:t>研究内容和技</a:t>
-          </a:r>
-          <a:r>
-            <a:rPr lang="zh-CN" altLang="en-US" sz="2400" kern="1200" dirty="0"/>
-            <a:t>术路线</a:t>
-          </a:r>
-        </a:p>
-      </dsp:txBody>
-      <dsp:txXfrm>
-        <a:off x="818573" y="2188382"/>
-        <a:ext cx="5222240" cy="625205"/>
-      </dsp:txXfrm>
-    </dsp:sp>
-    <dsp:sp modelId="{9A8567D1-6B86-4A05-855A-934F480C3D6B}">
-      <dsp:nvSpPr>
-        <dsp:cNvPr id="0" name=""/>
-        <dsp:cNvSpPr/>
-      </dsp:nvSpPr>
-      <dsp:spPr>
-        <a:xfrm>
-          <a:off x="427819" y="2110232"/>
-          <a:ext cx="781507" cy="781507"/>
-        </a:xfrm>
-        <a:prstGeom prst="ellipse">
-          <a:avLst/>
-        </a:prstGeom>
-        <a:solidFill>
-          <a:schemeClr val="lt1">
-            <a:hueOff val="0"/>
-            <a:satOff val="0"/>
-            <a:lumOff val="0"/>
-            <a:alphaOff val="0"/>
-          </a:schemeClr>
-        </a:solidFill>
-        <a:ln w="38100" cap="flat" cmpd="sng" algn="ctr">
-          <a:solidFill>
-            <a:schemeClr val="accent1">
-              <a:hueOff val="0"/>
-              <a:satOff val="0"/>
-              <a:lumOff val="0"/>
-              <a:alphaOff val="0"/>
-            </a:schemeClr>
-          </a:solidFill>
-          <a:prstDash val="solid"/>
-        </a:ln>
-        <a:effectLst/>
-      </dsp:spPr>
-      <dsp:style>
-        <a:lnRef idx="2">
-          <a:scrgbClr r="0" g="0" b="0"/>
-        </a:lnRef>
-        <a:fillRef idx="1">
-          <a:scrgbClr r="0" g="0" b="0"/>
-        </a:fillRef>
-        <a:effectRef idx="0">
-          <a:scrgbClr r="0" g="0" b="0"/>
-        </a:effectRef>
-        <a:fontRef idx="minor"/>
-      </dsp:style>
-    </dsp:sp>
-    <dsp:sp modelId="{F18979B6-F41E-40B9-B180-7FF39FEEAB4B}">
-      <dsp:nvSpPr>
-        <dsp:cNvPr id="0" name=""/>
-        <dsp:cNvSpPr/>
-      </dsp:nvSpPr>
-      <dsp:spPr>
-        <a:xfrm>
-          <a:off x="460128" y="3126353"/>
-          <a:ext cx="5580684" cy="625205"/>
-        </a:xfrm>
-        <a:prstGeom prst="rect">
-          <a:avLst/>
-        </a:prstGeom>
-        <a:solidFill>
-          <a:schemeClr val="accent1">
-            <a:hueOff val="0"/>
-            <a:satOff val="0"/>
-            <a:lumOff val="0"/>
-            <a:alphaOff val="0"/>
-          </a:schemeClr>
-        </a:solidFill>
-        <a:ln w="38100" cap="flat" cmpd="sng" algn="ctr">
-          <a:solidFill>
-            <a:schemeClr val="lt1">
-              <a:hueOff val="0"/>
-              <a:satOff val="0"/>
-              <a:lumOff val="0"/>
-              <a:alphaOff val="0"/>
-            </a:schemeClr>
-          </a:solidFill>
-          <a:prstDash val="solid"/>
-        </a:ln>
-        <a:effectLst/>
-      </dsp:spPr>
-      <dsp:style>
-        <a:lnRef idx="2">
-          <a:scrgbClr r="0" g="0" b="0"/>
-        </a:lnRef>
-        <a:fillRef idx="1">
-          <a:scrgbClr r="0" g="0" b="0"/>
-        </a:fillRef>
-        <a:effectRef idx="0">
-          <a:scrgbClr r="0" g="0" b="0"/>
-        </a:effectRef>
-        <a:fontRef idx="minor">
-          <a:schemeClr val="lt1"/>
-        </a:fontRef>
-      </dsp:style>
-      <dsp:txBody>
-        <a:bodyPr spcFirstLastPara="0" vert="horz" wrap="square" lIns="496257" tIns="60960" rIns="60960" bIns="60960" numCol="1" spcCol="1270" anchor="ctr" anchorCtr="0">
-          <a:noAutofit/>
-        </a:bodyPr>
-        <a:lstStyle/>
-        <a:p>
-          <a:pPr lvl="0" algn="l" defTabSz="1066800">
-            <a:lnSpc>
-              <a:spcPct val="90000"/>
-            </a:lnSpc>
-            <a:spcBef>
-              <a:spcPct val="0"/>
-            </a:spcBef>
-            <a:spcAft>
-              <a:spcPct val="35000"/>
-            </a:spcAft>
-          </a:pPr>
-          <a:r>
-            <a:rPr lang="zh-CN" altLang="en-US" sz="2400" kern="1200" dirty="0" smtClean="0">
-              <a:solidFill>
-                <a:schemeClr val="bg1"/>
-              </a:solidFill>
-            </a:rPr>
-            <a:t>创</a:t>
-          </a:r>
-          <a:r>
-            <a:rPr lang="zh-CN" altLang="en-US" sz="2400" kern="1200" dirty="0">
-              <a:solidFill>
-                <a:schemeClr val="bg1"/>
-              </a:solidFill>
-            </a:rPr>
-            <a:t>新点</a:t>
-          </a:r>
-        </a:p>
-      </dsp:txBody>
-      <dsp:txXfrm>
-        <a:off x="460128" y="3126353"/>
-        <a:ext cx="5580684" cy="625205"/>
-      </dsp:txXfrm>
-    </dsp:sp>
-    <dsp:sp modelId="{AD73187C-A028-4C74-9BB9-E2D7442E26DB}">
-      <dsp:nvSpPr>
-        <dsp:cNvPr id="0" name=""/>
-        <dsp:cNvSpPr/>
-      </dsp:nvSpPr>
-      <dsp:spPr>
-        <a:xfrm>
-          <a:off x="69375" y="3048203"/>
-          <a:ext cx="781507" cy="781507"/>
-        </a:xfrm>
-        <a:prstGeom prst="ellipse">
-          <a:avLst/>
-        </a:prstGeom>
-        <a:solidFill>
-          <a:schemeClr val="lt1">
-            <a:hueOff val="0"/>
-            <a:satOff val="0"/>
-            <a:lumOff val="0"/>
-            <a:alphaOff val="0"/>
-          </a:schemeClr>
-        </a:solidFill>
-        <a:ln w="38100" cap="flat" cmpd="sng" algn="ctr">
-          <a:solidFill>
-            <a:schemeClr val="accent1">
-              <a:hueOff val="0"/>
-              <a:satOff val="0"/>
-              <a:lumOff val="0"/>
-              <a:alphaOff val="0"/>
-            </a:schemeClr>
-          </a:solidFill>
-          <a:prstDash val="solid"/>
-        </a:ln>
-        <a:effectLst/>
-      </dsp:spPr>
-      <dsp:style>
-        <a:lnRef idx="2">
-          <a:scrgbClr r="0" g="0" b="0"/>
-        </a:lnRef>
-        <a:fillRef idx="1">
-          <a:scrgbClr r="0" g="0" b="0"/>
-        </a:fillRef>
-        <a:effectRef idx="0">
-          <a:scrgbClr r="0" g="0" b="0"/>
-        </a:effectRef>
-        <a:fontRef idx="minor"/>
-      </dsp:style>
-    </dsp:sp>
   </dsp:spTree>
 </dsp:drawing>
 </file>
@@ -24457,15 +21486,7 @@
           <a:p>
             <a:r>
               <a:rPr lang="zh-CN" altLang="en-US" dirty="0" smtClean="0"/>
-              <a:t>说</a:t>
-            </a:r>
-            <a:r>
-              <a:rPr lang="zh-CN" altLang="en-US" dirty="0" smtClean="0"/>
-              <a:t>清楚流表过期和策略过期的区</a:t>
-            </a:r>
-            <a:r>
-              <a:rPr lang="zh-CN" altLang="en-US" dirty="0" smtClean="0"/>
-              <a:t>别，流表过期代表这条策略一段时间未被匹配，但是管理员依然希望他生效，当有匹配包到来时控制器策略库会重新下发，而策略过期意味着管理员不希望这条策略继续生效，此时会从策略库和底层</a:t>
+              <a:t>说清楚流表过期和策略过期的区别，流表过期代表这条策略一段时间未被匹配，但是管理员依然希望他生效，当有匹配包到来时控制器策略库会重新下发，而策略过期意味着管理员不希望这条策略继续生效，此时会从策略库和底层</a:t>
             </a:r>
             <a:r>
               <a:rPr lang="en-US" altLang="zh-CN" dirty="0" smtClean="0"/>
@@ -29536,23 +26557,7 @@
                   <a:schemeClr val="bg1"/>
                 </a:solidFill>
               </a:rPr>
-              <a:t>用策</a:t>
-            </a:r>
-            <a:r>
-              <a:rPr lang="zh-CN" altLang="en-US" dirty="0" smtClean="0">
-                <a:solidFill>
-                  <a:schemeClr val="bg1"/>
-                </a:solidFill>
-              </a:rPr>
-              <a:t>略在策略库中进</a:t>
-            </a:r>
-            <a:r>
-              <a:rPr lang="zh-CN" altLang="en-US" dirty="0" smtClean="0">
-                <a:solidFill>
-                  <a:schemeClr val="bg1"/>
-                </a:solidFill>
-              </a:rPr>
-              <a:t>行分域</a:t>
+              <a:t>用策略在策略库中进行分域</a:t>
             </a:r>
             <a:r>
               <a:rPr lang="en-US" altLang="zh-CN" dirty="0" smtClean="0">
@@ -29698,12 +26703,12 @@
           <a:graphicData uri="http://schemas.openxmlformats.org/presentationml/2006/ole">
             <mc:AlternateContent xmlns:mc="http://schemas.openxmlformats.org/markup-compatibility/2006">
               <mc:Choice xmlns:v="urn:schemas-microsoft-com:vml" Requires="v">
-                <p:oleObj spid="_x0000_s1640" name="Visio" r:id="rId4" imgW="7058033" imgH="5276880" progId="Visio.Drawing.15">
+                <p:oleObj spid="_x0000_s1643" name="Visio" r:id="rId5" imgW="7058033" imgH="5276880" progId="Visio.Drawing.15">
                   <p:embed/>
                 </p:oleObj>
               </mc:Choice>
               <mc:Fallback>
-                <p:oleObj name="Visio" r:id="rId4" imgW="7058033" imgH="5276880" progId="Visio.Drawing.15">
+                <p:oleObj name="Visio" r:id="rId5" imgW="7058033" imgH="5276880" progId="Visio.Drawing.15">
                   <p:embed/>
                   <p:pic>
                     <p:nvPicPr>
@@ -29714,7 +26719,7 @@
                       <p:nvPr/>
                     </p:nvPicPr>
                     <p:blipFill>
-                      <a:blip r:embed="rId5"/>
+                      <a:blip r:embed="rId6"/>
                       <a:srcRect/>
                       <a:stretch>
                         <a:fillRect/>
@@ -29997,12 +27002,12 @@
           <a:graphicData uri="http://schemas.openxmlformats.org/presentationml/2006/ole">
             <mc:AlternateContent xmlns:mc="http://schemas.openxmlformats.org/markup-compatibility/2006">
               <mc:Choice xmlns:v="urn:schemas-microsoft-com:vml" Requires="v">
-                <p:oleObj spid="_x0000_s8429" name="Visio" r:id="rId4" imgW="6524521" imgH="3286170" progId="Visio.Drawing.15">
+                <p:oleObj spid="_x0000_s8432" name="Visio" r:id="rId5" imgW="6524521" imgH="3286170" progId="Visio.Drawing.15">
                   <p:embed/>
                 </p:oleObj>
               </mc:Choice>
               <mc:Fallback>
-                <p:oleObj name="Visio" r:id="rId4" imgW="6524521" imgH="3286170" progId="Visio.Drawing.15">
+                <p:oleObj name="Visio" r:id="rId5" imgW="6524521" imgH="3286170" progId="Visio.Drawing.15">
                   <p:embed/>
                   <p:pic>
                     <p:nvPicPr>
@@ -30013,7 +27018,7 @@
                       <p:nvPr/>
                     </p:nvPicPr>
                     <p:blipFill>
-                      <a:blip r:embed="rId5">
+                      <a:blip r:embed="rId6">
                         <a:extLst>
                           <a:ext uri="{28A0092B-C50C-407E-A947-70E740481C1C}">
                             <a14:useLocalDpi xmlns:a14="http://schemas.microsoft.com/office/drawing/2010/main" val="0"/>
@@ -30254,12 +27259,12 @@
           <a:graphicData uri="http://schemas.openxmlformats.org/presentationml/2006/ole">
             <mc:AlternateContent xmlns:mc="http://schemas.openxmlformats.org/markup-compatibility/2006">
               <mc:Choice xmlns:v="urn:schemas-microsoft-com:vml" Requires="v">
-                <p:oleObj spid="_x0000_s2948" name="Visio" r:id="rId4" imgW="3352890" imgH="2000160" progId="Visio.Drawing.15">
+                <p:oleObj spid="_x0000_s2951" name="Visio" r:id="rId5" imgW="3352890" imgH="2000160" progId="Visio.Drawing.15">
                   <p:embed/>
                 </p:oleObj>
               </mc:Choice>
               <mc:Fallback>
-                <p:oleObj name="Visio" r:id="rId4" imgW="3352890" imgH="2000160" progId="Visio.Drawing.15">
+                <p:oleObj name="Visio" r:id="rId5" imgW="3352890" imgH="2000160" progId="Visio.Drawing.15">
                   <p:embed/>
                   <p:pic>
                     <p:nvPicPr>
@@ -30270,7 +27275,7 @@
                       <p:nvPr/>
                     </p:nvPicPr>
                     <p:blipFill>
-                      <a:blip r:embed="rId5">
+                      <a:blip r:embed="rId6">
                         <a:extLst>
                           <a:ext uri="{28A0092B-C50C-407E-A947-70E740481C1C}">
                             <a14:useLocalDpi xmlns:a14="http://schemas.microsoft.com/office/drawing/2010/main" val="0"/>
@@ -30641,15 +27646,7 @@
                   <a:schemeClr val="bg1"/>
                 </a:solidFill>
               </a:rPr>
-              <a:t>改</a:t>
-            </a:r>
-            <a:r>
-              <a:rPr lang="zh-CN" altLang="en-US" dirty="0" smtClean="0">
-                <a:solidFill>
-                  <a:schemeClr val="bg1"/>
-                </a:solidFill>
-              </a:rPr>
-              <a:t>进了</a:t>
+              <a:t>改进了</a:t>
             </a:r>
             <a:r>
               <a:rPr lang="en-US" altLang="zh-CN" dirty="0" smtClean="0">
@@ -30665,7 +27662,15 @@
                   <a:schemeClr val="bg1"/>
                 </a:solidFill>
               </a:rPr>
-              <a:t>架构</a:t>
+              <a:t>架构中控制平面和数据平面的</a:t>
+            </a:r>
+            <a:r>
+              <a:rPr lang="zh-CN" altLang="en-US" dirty="0">
+                <a:solidFill>
+                  <a:schemeClr val="bg1"/>
+                </a:solidFill>
+              </a:rPr>
+              <a:t>通信流程，增强南向接口机密</a:t>
             </a:r>
             <a:r>
               <a:rPr lang="zh-CN" altLang="en-US" dirty="0" smtClean="0">
@@ -30673,39 +27678,7 @@
                   <a:schemeClr val="bg1"/>
                 </a:solidFill>
               </a:rPr>
-              <a:t>中控制平面和数据平面的</a:t>
-            </a:r>
-            <a:r>
-              <a:rPr lang="zh-CN" altLang="en-US" dirty="0">
-                <a:solidFill>
-                  <a:schemeClr val="bg1"/>
-                </a:solidFill>
-              </a:rPr>
-              <a:t>通信流程</a:t>
-            </a:r>
-            <a:r>
-              <a:rPr lang="zh-CN" altLang="en-US" dirty="0">
-                <a:solidFill>
-                  <a:schemeClr val="bg1"/>
-                </a:solidFill>
-              </a:rPr>
-              <a:t>，增强南向接口机密</a:t>
-            </a:r>
-            <a:r>
-              <a:rPr lang="zh-CN" altLang="en-US" dirty="0" smtClean="0">
-                <a:solidFill>
-                  <a:schemeClr val="bg1"/>
-                </a:solidFill>
-              </a:rPr>
-              <a:t>性，保</a:t>
-            </a:r>
-            <a:r>
-              <a:rPr lang="zh-CN" altLang="en-US" dirty="0" smtClean="0">
-                <a:solidFill>
-                  <a:schemeClr val="bg1"/>
-                </a:solidFill>
-              </a:rPr>
-              <a:t>证了</a:t>
+              <a:t>性，保证了</a:t>
             </a:r>
             <a:r>
               <a:rPr lang="en-US" altLang="zh-CN" dirty="0" smtClean="0">
@@ -30745,18 +27718,10 @@
             <a:r>
               <a:rPr lang="zh-CN" altLang="en-US" dirty="0" smtClean="0">
                 <a:solidFill>
-                  <a:srgbClr val="FF0000"/>
-                </a:solidFill>
-              </a:rPr>
-              <a:t>通过控制平面策略感知和数据平面策略请求</a:t>
-            </a:r>
-            <a:r>
-              <a:rPr lang="zh-CN" altLang="en-US" dirty="0" smtClean="0">
-                <a:solidFill>
                   <a:schemeClr val="bg1"/>
                 </a:solidFill>
               </a:rPr>
-              <a:t>实现</a:t>
+              <a:t>通过控制平面策略感知和数据平面策略请求实现</a:t>
             </a:r>
             <a:r>
               <a:rPr lang="zh-CN" altLang="en-US" dirty="0">
@@ -30814,23 +27779,7 @@
                   <a:schemeClr val="bg1"/>
                 </a:solidFill>
               </a:rPr>
-              <a:t>通过分域思</a:t>
-            </a:r>
-            <a:r>
-              <a:rPr lang="zh-CN" altLang="en-US" dirty="0" smtClean="0">
-                <a:solidFill>
-                  <a:schemeClr val="bg1"/>
-                </a:solidFill>
-              </a:rPr>
-              <a:t>想和多流表技术保</a:t>
-            </a:r>
-            <a:r>
-              <a:rPr lang="zh-CN" altLang="en-US" dirty="0" smtClean="0">
-                <a:solidFill>
-                  <a:schemeClr val="bg1"/>
-                </a:solidFill>
-              </a:rPr>
-              <a:t>证了不同类型的</a:t>
+              <a:t>通过分域思想和多流表技术保证了不同类型的</a:t>
             </a:r>
             <a:r>
               <a:rPr lang="en-US" altLang="zh-CN" dirty="0" smtClean="0">
@@ -33712,12 +30661,12 @@
           <a:graphicData uri="http://schemas.openxmlformats.org/presentationml/2006/ole">
             <mc:AlternateContent xmlns:mc="http://schemas.openxmlformats.org/markup-compatibility/2006">
               <mc:Choice xmlns:v="urn:schemas-microsoft-com:vml" Requires="v">
-                <p:oleObj spid="_x0000_s13424" name="Visio" r:id="rId4" imgW="5153056" imgH="2705130" progId="Visio.Drawing.15">
+                <p:oleObj spid="_x0000_s13427" name="Visio" r:id="rId5" imgW="5153056" imgH="2705130" progId="Visio.Drawing.15">
                   <p:embed/>
                 </p:oleObj>
               </mc:Choice>
               <mc:Fallback>
-                <p:oleObj name="Visio" r:id="rId4" imgW="5153056" imgH="2705130" progId="Visio.Drawing.15">
+                <p:oleObj name="Visio" r:id="rId5" imgW="5153056" imgH="2705130" progId="Visio.Drawing.15">
                   <p:embed/>
                   <p:pic>
                     <p:nvPicPr>
@@ -33728,7 +30677,7 @@
                       <p:nvPr/>
                     </p:nvPicPr>
                     <p:blipFill>
-                      <a:blip r:embed="rId5"/>
+                      <a:blip r:embed="rId6"/>
                       <a:srcRect/>
                       <a:stretch>
                         <a:fillRect/>
@@ -34063,12 +31012,12 @@
           <a:graphicData uri="http://schemas.openxmlformats.org/presentationml/2006/ole">
             <mc:AlternateContent xmlns:mc="http://schemas.openxmlformats.org/markup-compatibility/2006">
               <mc:Choice xmlns:v="urn:schemas-microsoft-com:vml" Requires="v">
-                <p:oleObj spid="_x0000_s11396" name="Visio" r:id="rId4" imgW="5171965" imgH="2000160" progId="Visio.Drawing.15">
+                <p:oleObj spid="_x0000_s11399" name="Visio" r:id="rId5" imgW="5171965" imgH="2000160" progId="Visio.Drawing.15">
                   <p:embed/>
                 </p:oleObj>
               </mc:Choice>
               <mc:Fallback>
-                <p:oleObj name="Visio" r:id="rId4" imgW="5171965" imgH="2000160" progId="Visio.Drawing.15">
+                <p:oleObj name="Visio" r:id="rId5" imgW="5171965" imgH="2000160" progId="Visio.Drawing.15">
                   <p:embed/>
                   <p:pic>
                     <p:nvPicPr>
@@ -34079,7 +31028,7 @@
                       <p:nvPr/>
                     </p:nvPicPr>
                     <p:blipFill>
-                      <a:blip r:embed="rId5"/>
+                      <a:blip r:embed="rId6"/>
                       <a:srcRect/>
                       <a:stretch>
                         <a:fillRect/>
@@ -34347,12 +31296,12 @@
           <a:graphicData uri="http://schemas.openxmlformats.org/presentationml/2006/ole">
             <mc:AlternateContent xmlns:mc="http://schemas.openxmlformats.org/markup-compatibility/2006">
               <mc:Choice xmlns:v="urn:schemas-microsoft-com:vml" Requires="v">
-                <p:oleObj spid="_x0000_s14427" name="Visio" r:id="rId4" imgW="5991278" imgH="2771820" progId="Visio.Drawing.15">
+                <p:oleObj spid="_x0000_s14430" name="Visio" r:id="rId5" imgW="5991278" imgH="2771820" progId="Visio.Drawing.15">
                   <p:embed/>
                 </p:oleObj>
               </mc:Choice>
               <mc:Fallback>
-                <p:oleObj name="Visio" r:id="rId4" imgW="5991278" imgH="2771820" progId="Visio.Drawing.15">
+                <p:oleObj name="Visio" r:id="rId5" imgW="5991278" imgH="2771820" progId="Visio.Drawing.15">
                   <p:embed/>
                   <p:pic>
                     <p:nvPicPr>
@@ -34363,7 +31312,7 @@
                       <p:nvPr/>
                     </p:nvPicPr>
                     <p:blipFill>
-                      <a:blip r:embed="rId5"/>
+                      <a:blip r:embed="rId6"/>
                       <a:srcRect/>
                       <a:stretch>
                         <a:fillRect/>
